--- a/image/illustration.pptx
+++ b/image/illustration.pptx
@@ -2,7 +2,7 @@
 <file path=ppt/presentation.xml><?xml version="1.0" encoding="utf-8"?>
 <p:presentation xmlns:a="http://schemas.openxmlformats.org/drawingml/2006/main" xmlns:r="http://schemas.openxmlformats.org/officeDocument/2006/relationships" xmlns:p="http://schemas.openxmlformats.org/presentationml/2006/main" saveSubsetFonts="1">
   <p:sldMasterIdLst>
-    <p:sldMasterId id="2147483648" r:id="rId1"/>
+    <p:sldMasterId id="2147483696" r:id="rId1"/>
   </p:sldMasterIdLst>
   <p:sldIdLst>
     <p:sldId id="256" r:id="rId2"/>
@@ -13,7 +13,7 @@
     <a:defPPr>
       <a:defRPr lang="en-US"/>
     </a:defPPr>
-    <a:lvl1pPr marL="0" algn="l" defTabSz="914400" rtl="0" eaLnBrk="1" latinLnBrk="0" hangingPunct="1">
+    <a:lvl1pPr marL="0" algn="l" defTabSz="457200" rtl="0" eaLnBrk="1" latinLnBrk="0" hangingPunct="1">
       <a:defRPr sz="1800" kern="1200">
         <a:solidFill>
           <a:schemeClr val="tx1"/>
@@ -23,7 +23,7 @@
         <a:cs typeface="+mn-cs"/>
       </a:defRPr>
     </a:lvl1pPr>
-    <a:lvl2pPr marL="457200" algn="l" defTabSz="914400" rtl="0" eaLnBrk="1" latinLnBrk="0" hangingPunct="1">
+    <a:lvl2pPr marL="457200" algn="l" defTabSz="457200" rtl="0" eaLnBrk="1" latinLnBrk="0" hangingPunct="1">
       <a:defRPr sz="1800" kern="1200">
         <a:solidFill>
           <a:schemeClr val="tx1"/>
@@ -33,7 +33,7 @@
         <a:cs typeface="+mn-cs"/>
       </a:defRPr>
     </a:lvl2pPr>
-    <a:lvl3pPr marL="914400" algn="l" defTabSz="914400" rtl="0" eaLnBrk="1" latinLnBrk="0" hangingPunct="1">
+    <a:lvl3pPr marL="914400" algn="l" defTabSz="457200" rtl="0" eaLnBrk="1" latinLnBrk="0" hangingPunct="1">
       <a:defRPr sz="1800" kern="1200">
         <a:solidFill>
           <a:schemeClr val="tx1"/>
@@ -43,7 +43,7 @@
         <a:cs typeface="+mn-cs"/>
       </a:defRPr>
     </a:lvl3pPr>
-    <a:lvl4pPr marL="1371600" algn="l" defTabSz="914400" rtl="0" eaLnBrk="1" latinLnBrk="0" hangingPunct="1">
+    <a:lvl4pPr marL="1371600" algn="l" defTabSz="457200" rtl="0" eaLnBrk="1" latinLnBrk="0" hangingPunct="1">
       <a:defRPr sz="1800" kern="1200">
         <a:solidFill>
           <a:schemeClr val="tx1"/>
@@ -53,7 +53,7 @@
         <a:cs typeface="+mn-cs"/>
       </a:defRPr>
     </a:lvl4pPr>
-    <a:lvl5pPr marL="1828800" algn="l" defTabSz="914400" rtl="0" eaLnBrk="1" latinLnBrk="0" hangingPunct="1">
+    <a:lvl5pPr marL="1828800" algn="l" defTabSz="457200" rtl="0" eaLnBrk="1" latinLnBrk="0" hangingPunct="1">
       <a:defRPr sz="1800" kern="1200">
         <a:solidFill>
           <a:schemeClr val="tx1"/>
@@ -63,7 +63,7 @@
         <a:cs typeface="+mn-cs"/>
       </a:defRPr>
     </a:lvl5pPr>
-    <a:lvl6pPr marL="2286000" algn="l" defTabSz="914400" rtl="0" eaLnBrk="1" latinLnBrk="0" hangingPunct="1">
+    <a:lvl6pPr marL="2286000" algn="l" defTabSz="457200" rtl="0" eaLnBrk="1" latinLnBrk="0" hangingPunct="1">
       <a:defRPr sz="1800" kern="1200">
         <a:solidFill>
           <a:schemeClr val="tx1"/>
@@ -73,7 +73,7 @@
         <a:cs typeface="+mn-cs"/>
       </a:defRPr>
     </a:lvl6pPr>
-    <a:lvl7pPr marL="2743200" algn="l" defTabSz="914400" rtl="0" eaLnBrk="1" latinLnBrk="0" hangingPunct="1">
+    <a:lvl7pPr marL="2743200" algn="l" defTabSz="457200" rtl="0" eaLnBrk="1" latinLnBrk="0" hangingPunct="1">
       <a:defRPr sz="1800" kern="1200">
         <a:solidFill>
           <a:schemeClr val="tx1"/>
@@ -83,7 +83,7 @@
         <a:cs typeface="+mn-cs"/>
       </a:defRPr>
     </a:lvl7pPr>
-    <a:lvl8pPr marL="3200400" algn="l" defTabSz="914400" rtl="0" eaLnBrk="1" latinLnBrk="0" hangingPunct="1">
+    <a:lvl8pPr marL="3200400" algn="l" defTabSz="457200" rtl="0" eaLnBrk="1" latinLnBrk="0" hangingPunct="1">
       <a:defRPr sz="1800" kern="1200">
         <a:solidFill>
           <a:schemeClr val="tx1"/>
@@ -93,7 +93,7 @@
         <a:cs typeface="+mn-cs"/>
       </a:defRPr>
     </a:lvl8pPr>
-    <a:lvl9pPr marL="3657600" algn="l" defTabSz="914400" rtl="0" eaLnBrk="1" latinLnBrk="0" hangingPunct="1">
+    <a:lvl9pPr marL="3657600" algn="l" defTabSz="457200" rtl="0" eaLnBrk="1" latinLnBrk="0" hangingPunct="1">
       <a:defRPr sz="1800" kern="1200">
         <a:solidFill>
           <a:schemeClr val="tx1"/>
@@ -104,6 +104,11 @@
       </a:defRPr>
     </a:lvl9pPr>
   </p:defaultTextStyle>
+  <p:extLst>
+    <p:ext uri="{EFAFB233-063F-42B5-8137-9DF3F51BA10A}">
+      <p15:sldGuideLst xmlns:p15="http://schemas.microsoft.com/office/powerpoint/2012/main"/>
+    </p:ext>
+  </p:extLst>
 </p:presentation>
 </file>
 
@@ -126,13 +131,7 @@
       </p:grpSpPr>
       <p:sp>
         <p:nvSpPr>
-          <p:cNvPr id="2" name="Title 1">
-            <a:extLst>
-              <a:ext uri="{FF2B5EF4-FFF2-40B4-BE49-F238E27FC236}">
-                <a16:creationId xmlns:a16="http://schemas.microsoft.com/office/drawing/2014/main" id="{929AA26F-B5EC-4466-BBA8-C375C1746787}"/>
-              </a:ext>
-            </a:extLst>
-          </p:cNvPr>
+          <p:cNvPr id="2" name="Title 1"/>
           <p:cNvSpPr>
             <a:spLocks noGrp="1"/>
           </p:cNvSpPr>
@@ -158,19 +157,13 @@
               <a:rPr lang="en-US"/>
               <a:t>Click to edit Master title style</a:t>
             </a:r>
-            <a:endParaRPr lang="en-CA"/>
-          </a:p>
-        </p:txBody>
-      </p:sp>
-      <p:sp>
-        <p:nvSpPr>
-          <p:cNvPr id="3" name="Subtitle 2">
-            <a:extLst>
-              <a:ext uri="{FF2B5EF4-FFF2-40B4-BE49-F238E27FC236}">
-                <a16:creationId xmlns:a16="http://schemas.microsoft.com/office/drawing/2014/main" id="{E554907A-9931-42CD-B40E-78930EFEE1AD}"/>
-              </a:ext>
-            </a:extLst>
-          </p:cNvPr>
+            <a:endParaRPr lang="en-US" dirty="0"/>
+          </a:p>
+        </p:txBody>
+      </p:sp>
+      <p:sp>
+        <p:nvSpPr>
+          <p:cNvPr id="3" name="Subtitle 2"/>
           <p:cNvSpPr>
             <a:spLocks noGrp="1"/>
           </p:cNvSpPr>
@@ -229,19 +222,13 @@
               <a:rPr lang="en-US"/>
               <a:t>Click to edit Master subtitle style</a:t>
             </a:r>
-            <a:endParaRPr lang="en-CA"/>
-          </a:p>
-        </p:txBody>
-      </p:sp>
-      <p:sp>
-        <p:nvSpPr>
-          <p:cNvPr id="4" name="Date Placeholder 3">
-            <a:extLst>
-              <a:ext uri="{FF2B5EF4-FFF2-40B4-BE49-F238E27FC236}">
-                <a16:creationId xmlns:a16="http://schemas.microsoft.com/office/drawing/2014/main" id="{AAC91B2E-9892-44BF-88C4-4F58AAC24653}"/>
-              </a:ext>
-            </a:extLst>
-          </p:cNvPr>
+            <a:endParaRPr lang="en-US" dirty="0"/>
+          </a:p>
+        </p:txBody>
+      </p:sp>
+      <p:sp>
+        <p:nvSpPr>
+          <p:cNvPr id="4" name="Date Placeholder 3"/>
           <p:cNvSpPr>
             <a:spLocks noGrp="1"/>
           </p:cNvSpPr>
@@ -256,7 +243,7 @@
           <a:p>
             <a:fld id="{6E8E17BA-8914-421B-B515-5EEB3071E743}" type="datetimeFigureOut">
               <a:rPr lang="en-CA" smtClean="0"/>
-              <a:t>2022-09-13</a:t>
+              <a:t>2022-09-22</a:t>
             </a:fld>
             <a:endParaRPr lang="en-CA"/>
           </a:p>
@@ -264,13 +251,7 @@
       </p:sp>
       <p:sp>
         <p:nvSpPr>
-          <p:cNvPr id="5" name="Footer Placeholder 4">
-            <a:extLst>
-              <a:ext uri="{FF2B5EF4-FFF2-40B4-BE49-F238E27FC236}">
-                <a16:creationId xmlns:a16="http://schemas.microsoft.com/office/drawing/2014/main" id="{0C19E28E-E1E7-4F3A-A676-7F869972E621}"/>
-              </a:ext>
-            </a:extLst>
-          </p:cNvPr>
+          <p:cNvPr id="5" name="Footer Placeholder 4"/>
           <p:cNvSpPr>
             <a:spLocks noGrp="1"/>
           </p:cNvSpPr>
@@ -289,13 +270,7 @@
       </p:sp>
       <p:sp>
         <p:nvSpPr>
-          <p:cNvPr id="6" name="Slide Number Placeholder 5">
-            <a:extLst>
-              <a:ext uri="{FF2B5EF4-FFF2-40B4-BE49-F238E27FC236}">
-                <a16:creationId xmlns:a16="http://schemas.microsoft.com/office/drawing/2014/main" id="{0E14D6BA-D033-404A-9B24-8B1E5047FC09}"/>
-              </a:ext>
-            </a:extLst>
-          </p:cNvPr>
+          <p:cNvPr id="6" name="Slide Number Placeholder 5"/>
           <p:cNvSpPr>
             <a:spLocks noGrp="1"/>
           </p:cNvSpPr>
@@ -319,7 +294,7 @@
     </p:spTree>
     <p:extLst>
       <p:ext uri="{BB962C8B-B14F-4D97-AF65-F5344CB8AC3E}">
-        <p14:creationId xmlns:p14="http://schemas.microsoft.com/office/powerpoint/2010/main" val="640076476"/>
+        <p14:creationId xmlns:p14="http://schemas.microsoft.com/office/powerpoint/2010/main" val="2123139779"/>
       </p:ext>
     </p:extLst>
   </p:cSld>
@@ -348,13 +323,7 @@
       </p:grpSpPr>
       <p:sp>
         <p:nvSpPr>
-          <p:cNvPr id="2" name="Title 1">
-            <a:extLst>
-              <a:ext uri="{FF2B5EF4-FFF2-40B4-BE49-F238E27FC236}">
-                <a16:creationId xmlns:a16="http://schemas.microsoft.com/office/drawing/2014/main" id="{9D14D380-8767-44E1-998D-62C8031283EF}"/>
-              </a:ext>
-            </a:extLst>
-          </p:cNvPr>
+          <p:cNvPr id="2" name="Title 1"/>
           <p:cNvSpPr>
             <a:spLocks noGrp="1"/>
           </p:cNvSpPr>
@@ -371,19 +340,13 @@
               <a:rPr lang="en-US"/>
               <a:t>Click to edit Master title style</a:t>
             </a:r>
-            <a:endParaRPr lang="en-CA"/>
-          </a:p>
-        </p:txBody>
-      </p:sp>
-      <p:sp>
-        <p:nvSpPr>
-          <p:cNvPr id="3" name="Vertical Text Placeholder 2">
-            <a:extLst>
-              <a:ext uri="{FF2B5EF4-FFF2-40B4-BE49-F238E27FC236}">
-                <a16:creationId xmlns:a16="http://schemas.microsoft.com/office/drawing/2014/main" id="{1719AE6C-B306-4759-8B5A-A09C13868CDD}"/>
-              </a:ext>
-            </a:extLst>
-          </p:cNvPr>
+            <a:endParaRPr lang="en-US" dirty="0"/>
+          </a:p>
+        </p:txBody>
+      </p:sp>
+      <p:sp>
+        <p:nvSpPr>
+          <p:cNvPr id="3" name="Vertical Text Placeholder 2"/>
           <p:cNvSpPr>
             <a:spLocks noGrp="1"/>
           </p:cNvSpPr>
@@ -429,19 +392,13 @@
               <a:rPr lang="en-US"/>
               <a:t>Fifth level</a:t>
             </a:r>
-            <a:endParaRPr lang="en-CA"/>
-          </a:p>
-        </p:txBody>
-      </p:sp>
-      <p:sp>
-        <p:nvSpPr>
-          <p:cNvPr id="4" name="Date Placeholder 3">
-            <a:extLst>
-              <a:ext uri="{FF2B5EF4-FFF2-40B4-BE49-F238E27FC236}">
-                <a16:creationId xmlns:a16="http://schemas.microsoft.com/office/drawing/2014/main" id="{ADC6F41E-C30A-4353-A988-C25316DAB4B5}"/>
-              </a:ext>
-            </a:extLst>
-          </p:cNvPr>
+            <a:endParaRPr lang="en-US" dirty="0"/>
+          </a:p>
+        </p:txBody>
+      </p:sp>
+      <p:sp>
+        <p:nvSpPr>
+          <p:cNvPr id="4" name="Date Placeholder 3"/>
           <p:cNvSpPr>
             <a:spLocks noGrp="1"/>
           </p:cNvSpPr>
@@ -456,7 +413,7 @@
           <a:p>
             <a:fld id="{6E8E17BA-8914-421B-B515-5EEB3071E743}" type="datetimeFigureOut">
               <a:rPr lang="en-CA" smtClean="0"/>
-              <a:t>2022-09-13</a:t>
+              <a:t>2022-09-22</a:t>
             </a:fld>
             <a:endParaRPr lang="en-CA"/>
           </a:p>
@@ -464,13 +421,7 @@
       </p:sp>
       <p:sp>
         <p:nvSpPr>
-          <p:cNvPr id="5" name="Footer Placeholder 4">
-            <a:extLst>
-              <a:ext uri="{FF2B5EF4-FFF2-40B4-BE49-F238E27FC236}">
-                <a16:creationId xmlns:a16="http://schemas.microsoft.com/office/drawing/2014/main" id="{5B28DD47-DE28-4B5E-8C8D-C4C09110EB72}"/>
-              </a:ext>
-            </a:extLst>
-          </p:cNvPr>
+          <p:cNvPr id="5" name="Footer Placeholder 4"/>
           <p:cNvSpPr>
             <a:spLocks noGrp="1"/>
           </p:cNvSpPr>
@@ -489,13 +440,7 @@
       </p:sp>
       <p:sp>
         <p:nvSpPr>
-          <p:cNvPr id="6" name="Slide Number Placeholder 5">
-            <a:extLst>
-              <a:ext uri="{FF2B5EF4-FFF2-40B4-BE49-F238E27FC236}">
-                <a16:creationId xmlns:a16="http://schemas.microsoft.com/office/drawing/2014/main" id="{80E7D217-9B63-4C2A-BE96-187BEC3B905F}"/>
-              </a:ext>
-            </a:extLst>
-          </p:cNvPr>
+          <p:cNvPr id="6" name="Slide Number Placeholder 5"/>
           <p:cNvSpPr>
             <a:spLocks noGrp="1"/>
           </p:cNvSpPr>
@@ -519,7 +464,7 @@
     </p:spTree>
     <p:extLst>
       <p:ext uri="{BB962C8B-B14F-4D97-AF65-F5344CB8AC3E}">
-        <p14:creationId xmlns:p14="http://schemas.microsoft.com/office/powerpoint/2010/main" val="1901119998"/>
+        <p14:creationId xmlns:p14="http://schemas.microsoft.com/office/powerpoint/2010/main" val="3427357853"/>
       </p:ext>
     </p:extLst>
   </p:cSld>
@@ -548,13 +493,7 @@
       </p:grpSpPr>
       <p:sp>
         <p:nvSpPr>
-          <p:cNvPr id="2" name="Vertical Title 1">
-            <a:extLst>
-              <a:ext uri="{FF2B5EF4-FFF2-40B4-BE49-F238E27FC236}">
-                <a16:creationId xmlns:a16="http://schemas.microsoft.com/office/drawing/2014/main" id="{1DDC5D02-5E88-4788-BBB4-F068EC21B52C}"/>
-              </a:ext>
-            </a:extLst>
-          </p:cNvPr>
+          <p:cNvPr id="2" name="Vertical Title 1"/>
           <p:cNvSpPr>
             <a:spLocks noGrp="1"/>
           </p:cNvSpPr>
@@ -576,19 +515,13 @@
               <a:rPr lang="en-US"/>
               <a:t>Click to edit Master title style</a:t>
             </a:r>
-            <a:endParaRPr lang="en-CA"/>
-          </a:p>
-        </p:txBody>
-      </p:sp>
-      <p:sp>
-        <p:nvSpPr>
-          <p:cNvPr id="3" name="Vertical Text Placeholder 2">
-            <a:extLst>
-              <a:ext uri="{FF2B5EF4-FFF2-40B4-BE49-F238E27FC236}">
-                <a16:creationId xmlns:a16="http://schemas.microsoft.com/office/drawing/2014/main" id="{B8373160-9C53-42FA-9BB1-4D2A898615E8}"/>
-              </a:ext>
-            </a:extLst>
-          </p:cNvPr>
+            <a:endParaRPr lang="en-US" dirty="0"/>
+          </a:p>
+        </p:txBody>
+      </p:sp>
+      <p:sp>
+        <p:nvSpPr>
+          <p:cNvPr id="3" name="Vertical Text Placeholder 2"/>
           <p:cNvSpPr>
             <a:spLocks noGrp="1"/>
           </p:cNvSpPr>
@@ -639,19 +572,13 @@
               <a:rPr lang="en-US"/>
               <a:t>Fifth level</a:t>
             </a:r>
-            <a:endParaRPr lang="en-CA"/>
-          </a:p>
-        </p:txBody>
-      </p:sp>
-      <p:sp>
-        <p:nvSpPr>
-          <p:cNvPr id="4" name="Date Placeholder 3">
-            <a:extLst>
-              <a:ext uri="{FF2B5EF4-FFF2-40B4-BE49-F238E27FC236}">
-                <a16:creationId xmlns:a16="http://schemas.microsoft.com/office/drawing/2014/main" id="{CFDE419C-8D2E-43B1-954A-0398422E8C70}"/>
-              </a:ext>
-            </a:extLst>
-          </p:cNvPr>
+            <a:endParaRPr lang="en-US" dirty="0"/>
+          </a:p>
+        </p:txBody>
+      </p:sp>
+      <p:sp>
+        <p:nvSpPr>
+          <p:cNvPr id="4" name="Date Placeholder 3"/>
           <p:cNvSpPr>
             <a:spLocks noGrp="1"/>
           </p:cNvSpPr>
@@ -666,7 +593,7 @@
           <a:p>
             <a:fld id="{6E8E17BA-8914-421B-B515-5EEB3071E743}" type="datetimeFigureOut">
               <a:rPr lang="en-CA" smtClean="0"/>
-              <a:t>2022-09-13</a:t>
+              <a:t>2022-09-22</a:t>
             </a:fld>
             <a:endParaRPr lang="en-CA"/>
           </a:p>
@@ -674,13 +601,7 @@
       </p:sp>
       <p:sp>
         <p:nvSpPr>
-          <p:cNvPr id="5" name="Footer Placeholder 4">
-            <a:extLst>
-              <a:ext uri="{FF2B5EF4-FFF2-40B4-BE49-F238E27FC236}">
-                <a16:creationId xmlns:a16="http://schemas.microsoft.com/office/drawing/2014/main" id="{201D9243-1215-4F40-BABD-8259FAD02077}"/>
-              </a:ext>
-            </a:extLst>
-          </p:cNvPr>
+          <p:cNvPr id="5" name="Footer Placeholder 4"/>
           <p:cNvSpPr>
             <a:spLocks noGrp="1"/>
           </p:cNvSpPr>
@@ -699,13 +620,7 @@
       </p:sp>
       <p:sp>
         <p:nvSpPr>
-          <p:cNvPr id="6" name="Slide Number Placeholder 5">
-            <a:extLst>
-              <a:ext uri="{FF2B5EF4-FFF2-40B4-BE49-F238E27FC236}">
-                <a16:creationId xmlns:a16="http://schemas.microsoft.com/office/drawing/2014/main" id="{A9A17CB1-2FAC-4753-A36A-E931C319C6C6}"/>
-              </a:ext>
-            </a:extLst>
-          </p:cNvPr>
+          <p:cNvPr id="6" name="Slide Number Placeholder 5"/>
           <p:cNvSpPr>
             <a:spLocks noGrp="1"/>
           </p:cNvSpPr>
@@ -729,7 +644,7 @@
     </p:spTree>
     <p:extLst>
       <p:ext uri="{BB962C8B-B14F-4D97-AF65-F5344CB8AC3E}">
-        <p14:creationId xmlns:p14="http://schemas.microsoft.com/office/powerpoint/2010/main" val="3251832738"/>
+        <p14:creationId xmlns:p14="http://schemas.microsoft.com/office/powerpoint/2010/main" val="497071357"/>
       </p:ext>
     </p:extLst>
   </p:cSld>
@@ -758,13 +673,7 @@
       </p:grpSpPr>
       <p:sp>
         <p:nvSpPr>
-          <p:cNvPr id="2" name="Title 1">
-            <a:extLst>
-              <a:ext uri="{FF2B5EF4-FFF2-40B4-BE49-F238E27FC236}">
-                <a16:creationId xmlns:a16="http://schemas.microsoft.com/office/drawing/2014/main" id="{E0E174D7-0093-462C-BF01-BC9710F13386}"/>
-              </a:ext>
-            </a:extLst>
-          </p:cNvPr>
+          <p:cNvPr id="2" name="Title 1"/>
           <p:cNvSpPr>
             <a:spLocks noGrp="1"/>
           </p:cNvSpPr>
@@ -781,19 +690,13 @@
               <a:rPr lang="en-US"/>
               <a:t>Click to edit Master title style</a:t>
             </a:r>
-            <a:endParaRPr lang="en-CA"/>
-          </a:p>
-        </p:txBody>
-      </p:sp>
-      <p:sp>
-        <p:nvSpPr>
-          <p:cNvPr id="3" name="Content Placeholder 2">
-            <a:extLst>
-              <a:ext uri="{FF2B5EF4-FFF2-40B4-BE49-F238E27FC236}">
-                <a16:creationId xmlns:a16="http://schemas.microsoft.com/office/drawing/2014/main" id="{1F5D2A28-53B7-4966-A6AC-5AD49E3AD275}"/>
-              </a:ext>
-            </a:extLst>
-          </p:cNvPr>
+            <a:endParaRPr lang="en-US" dirty="0"/>
+          </a:p>
+        </p:txBody>
+      </p:sp>
+      <p:sp>
+        <p:nvSpPr>
+          <p:cNvPr id="3" name="Content Placeholder 2"/>
           <p:cNvSpPr>
             <a:spLocks noGrp="1"/>
           </p:cNvSpPr>
@@ -839,19 +742,13 @@
               <a:rPr lang="en-US"/>
               <a:t>Fifth level</a:t>
             </a:r>
-            <a:endParaRPr lang="en-CA"/>
-          </a:p>
-        </p:txBody>
-      </p:sp>
-      <p:sp>
-        <p:nvSpPr>
-          <p:cNvPr id="4" name="Date Placeholder 3">
-            <a:extLst>
-              <a:ext uri="{FF2B5EF4-FFF2-40B4-BE49-F238E27FC236}">
-                <a16:creationId xmlns:a16="http://schemas.microsoft.com/office/drawing/2014/main" id="{5C216D3A-A3FE-472C-B20B-226AED8684E7}"/>
-              </a:ext>
-            </a:extLst>
-          </p:cNvPr>
+            <a:endParaRPr lang="en-US" dirty="0"/>
+          </a:p>
+        </p:txBody>
+      </p:sp>
+      <p:sp>
+        <p:nvSpPr>
+          <p:cNvPr id="4" name="Date Placeholder 3"/>
           <p:cNvSpPr>
             <a:spLocks noGrp="1"/>
           </p:cNvSpPr>
@@ -866,7 +763,7 @@
           <a:p>
             <a:fld id="{6E8E17BA-8914-421B-B515-5EEB3071E743}" type="datetimeFigureOut">
               <a:rPr lang="en-CA" smtClean="0"/>
-              <a:t>2022-09-13</a:t>
+              <a:t>2022-09-22</a:t>
             </a:fld>
             <a:endParaRPr lang="en-CA"/>
           </a:p>
@@ -874,13 +771,7 @@
       </p:sp>
       <p:sp>
         <p:nvSpPr>
-          <p:cNvPr id="5" name="Footer Placeholder 4">
-            <a:extLst>
-              <a:ext uri="{FF2B5EF4-FFF2-40B4-BE49-F238E27FC236}">
-                <a16:creationId xmlns:a16="http://schemas.microsoft.com/office/drawing/2014/main" id="{552BF1E9-853A-4CB0-8981-45DB83A464F7}"/>
-              </a:ext>
-            </a:extLst>
-          </p:cNvPr>
+          <p:cNvPr id="5" name="Footer Placeholder 4"/>
           <p:cNvSpPr>
             <a:spLocks noGrp="1"/>
           </p:cNvSpPr>
@@ -899,13 +790,7 @@
       </p:sp>
       <p:sp>
         <p:nvSpPr>
-          <p:cNvPr id="6" name="Slide Number Placeholder 5">
-            <a:extLst>
-              <a:ext uri="{FF2B5EF4-FFF2-40B4-BE49-F238E27FC236}">
-                <a16:creationId xmlns:a16="http://schemas.microsoft.com/office/drawing/2014/main" id="{1F43285A-FF37-483B-880C-6E6858BE649A}"/>
-              </a:ext>
-            </a:extLst>
-          </p:cNvPr>
+          <p:cNvPr id="6" name="Slide Number Placeholder 5"/>
           <p:cNvSpPr>
             <a:spLocks noGrp="1"/>
           </p:cNvSpPr>
@@ -929,7 +814,7 @@
     </p:spTree>
     <p:extLst>
       <p:ext uri="{BB962C8B-B14F-4D97-AF65-F5344CB8AC3E}">
-        <p14:creationId xmlns:p14="http://schemas.microsoft.com/office/powerpoint/2010/main" val="705449839"/>
+        <p14:creationId xmlns:p14="http://schemas.microsoft.com/office/powerpoint/2010/main" val="2047042650"/>
       </p:ext>
     </p:extLst>
   </p:cSld>
@@ -958,13 +843,7 @@
       </p:grpSpPr>
       <p:sp>
         <p:nvSpPr>
-          <p:cNvPr id="2" name="Title 1">
-            <a:extLst>
-              <a:ext uri="{FF2B5EF4-FFF2-40B4-BE49-F238E27FC236}">
-                <a16:creationId xmlns:a16="http://schemas.microsoft.com/office/drawing/2014/main" id="{1275783C-5622-49B2-8358-A4905CA69FD1}"/>
-              </a:ext>
-            </a:extLst>
-          </p:cNvPr>
+          <p:cNvPr id="2" name="Title 1"/>
           <p:cNvSpPr>
             <a:spLocks noGrp="1"/>
           </p:cNvSpPr>
@@ -990,19 +869,13 @@
               <a:rPr lang="en-US"/>
               <a:t>Click to edit Master title style</a:t>
             </a:r>
-            <a:endParaRPr lang="en-CA"/>
-          </a:p>
-        </p:txBody>
-      </p:sp>
-      <p:sp>
-        <p:nvSpPr>
-          <p:cNvPr id="3" name="Text Placeholder 2">
-            <a:extLst>
-              <a:ext uri="{FF2B5EF4-FFF2-40B4-BE49-F238E27FC236}">
-                <a16:creationId xmlns:a16="http://schemas.microsoft.com/office/drawing/2014/main" id="{A36A0CDE-12F0-4A13-B2B1-33878E46E85E}"/>
-              </a:ext>
-            </a:extLst>
-          </p:cNvPr>
+            <a:endParaRPr lang="en-US" dirty="0"/>
+          </a:p>
+        </p:txBody>
+      </p:sp>
+      <p:sp>
+        <p:nvSpPr>
+          <p:cNvPr id="3" name="Text Placeholder 2"/>
           <p:cNvSpPr>
             <a:spLocks noGrp="1"/>
           </p:cNvSpPr>
@@ -1121,13 +994,7 @@
       </p:sp>
       <p:sp>
         <p:nvSpPr>
-          <p:cNvPr id="4" name="Date Placeholder 3">
-            <a:extLst>
-              <a:ext uri="{FF2B5EF4-FFF2-40B4-BE49-F238E27FC236}">
-                <a16:creationId xmlns:a16="http://schemas.microsoft.com/office/drawing/2014/main" id="{92362F91-AA5C-4EDE-B248-F93A42D24F8E}"/>
-              </a:ext>
-            </a:extLst>
-          </p:cNvPr>
+          <p:cNvPr id="4" name="Date Placeholder 3"/>
           <p:cNvSpPr>
             <a:spLocks noGrp="1"/>
           </p:cNvSpPr>
@@ -1142,7 +1009,7 @@
           <a:p>
             <a:fld id="{6E8E17BA-8914-421B-B515-5EEB3071E743}" type="datetimeFigureOut">
               <a:rPr lang="en-CA" smtClean="0"/>
-              <a:t>2022-09-13</a:t>
+              <a:t>2022-09-22</a:t>
             </a:fld>
             <a:endParaRPr lang="en-CA"/>
           </a:p>
@@ -1150,13 +1017,7 @@
       </p:sp>
       <p:sp>
         <p:nvSpPr>
-          <p:cNvPr id="5" name="Footer Placeholder 4">
-            <a:extLst>
-              <a:ext uri="{FF2B5EF4-FFF2-40B4-BE49-F238E27FC236}">
-                <a16:creationId xmlns:a16="http://schemas.microsoft.com/office/drawing/2014/main" id="{A511B266-79C6-4C6F-819D-C2751BF2069D}"/>
-              </a:ext>
-            </a:extLst>
-          </p:cNvPr>
+          <p:cNvPr id="5" name="Footer Placeholder 4"/>
           <p:cNvSpPr>
             <a:spLocks noGrp="1"/>
           </p:cNvSpPr>
@@ -1175,13 +1036,7 @@
       </p:sp>
       <p:sp>
         <p:nvSpPr>
-          <p:cNvPr id="6" name="Slide Number Placeholder 5">
-            <a:extLst>
-              <a:ext uri="{FF2B5EF4-FFF2-40B4-BE49-F238E27FC236}">
-                <a16:creationId xmlns:a16="http://schemas.microsoft.com/office/drawing/2014/main" id="{DCF5704B-6FF8-42DA-BCCA-BE77A82E7350}"/>
-              </a:ext>
-            </a:extLst>
-          </p:cNvPr>
+          <p:cNvPr id="6" name="Slide Number Placeholder 5"/>
           <p:cNvSpPr>
             <a:spLocks noGrp="1"/>
           </p:cNvSpPr>
@@ -1205,7 +1060,7 @@
     </p:spTree>
     <p:extLst>
       <p:ext uri="{BB962C8B-B14F-4D97-AF65-F5344CB8AC3E}">
-        <p14:creationId xmlns:p14="http://schemas.microsoft.com/office/powerpoint/2010/main" val="597967114"/>
+        <p14:creationId xmlns:p14="http://schemas.microsoft.com/office/powerpoint/2010/main" val="513796037"/>
       </p:ext>
     </p:extLst>
   </p:cSld>
@@ -1234,13 +1089,7 @@
       </p:grpSpPr>
       <p:sp>
         <p:nvSpPr>
-          <p:cNvPr id="2" name="Title 1">
-            <a:extLst>
-              <a:ext uri="{FF2B5EF4-FFF2-40B4-BE49-F238E27FC236}">
-                <a16:creationId xmlns:a16="http://schemas.microsoft.com/office/drawing/2014/main" id="{2BBFDF03-6915-41C8-A08B-6BEAA1BDB938}"/>
-              </a:ext>
-            </a:extLst>
-          </p:cNvPr>
+          <p:cNvPr id="2" name="Title 1"/>
           <p:cNvSpPr>
             <a:spLocks noGrp="1"/>
           </p:cNvSpPr>
@@ -1257,19 +1106,13 @@
               <a:rPr lang="en-US"/>
               <a:t>Click to edit Master title style</a:t>
             </a:r>
-            <a:endParaRPr lang="en-CA"/>
-          </a:p>
-        </p:txBody>
-      </p:sp>
-      <p:sp>
-        <p:nvSpPr>
-          <p:cNvPr id="3" name="Content Placeholder 2">
-            <a:extLst>
-              <a:ext uri="{FF2B5EF4-FFF2-40B4-BE49-F238E27FC236}">
-                <a16:creationId xmlns:a16="http://schemas.microsoft.com/office/drawing/2014/main" id="{7EECBE5E-62C0-4059-8958-55A461D4750C}"/>
-              </a:ext>
-            </a:extLst>
-          </p:cNvPr>
+            <a:endParaRPr lang="en-US" dirty="0"/>
+          </a:p>
+        </p:txBody>
+      </p:sp>
+      <p:sp>
+        <p:nvSpPr>
+          <p:cNvPr id="3" name="Content Placeholder 2"/>
           <p:cNvSpPr>
             <a:spLocks noGrp="1"/>
           </p:cNvSpPr>
@@ -1320,19 +1163,13 @@
               <a:rPr lang="en-US"/>
               <a:t>Fifth level</a:t>
             </a:r>
-            <a:endParaRPr lang="en-CA"/>
-          </a:p>
-        </p:txBody>
-      </p:sp>
-      <p:sp>
-        <p:nvSpPr>
-          <p:cNvPr id="4" name="Content Placeholder 3">
-            <a:extLst>
-              <a:ext uri="{FF2B5EF4-FFF2-40B4-BE49-F238E27FC236}">
-                <a16:creationId xmlns:a16="http://schemas.microsoft.com/office/drawing/2014/main" id="{0C1A2518-1758-49B2-A6D3-EF2927A0E64C}"/>
-              </a:ext>
-            </a:extLst>
-          </p:cNvPr>
+            <a:endParaRPr lang="en-US" dirty="0"/>
+          </a:p>
+        </p:txBody>
+      </p:sp>
+      <p:sp>
+        <p:nvSpPr>
+          <p:cNvPr id="4" name="Content Placeholder 3"/>
           <p:cNvSpPr>
             <a:spLocks noGrp="1"/>
           </p:cNvSpPr>
@@ -1383,19 +1220,13 @@
               <a:rPr lang="en-US"/>
               <a:t>Fifth level</a:t>
             </a:r>
-            <a:endParaRPr lang="en-CA"/>
-          </a:p>
-        </p:txBody>
-      </p:sp>
-      <p:sp>
-        <p:nvSpPr>
-          <p:cNvPr id="5" name="Date Placeholder 4">
-            <a:extLst>
-              <a:ext uri="{FF2B5EF4-FFF2-40B4-BE49-F238E27FC236}">
-                <a16:creationId xmlns:a16="http://schemas.microsoft.com/office/drawing/2014/main" id="{E3138CDA-EF00-45BD-BF44-FCD84DDA3A92}"/>
-              </a:ext>
-            </a:extLst>
-          </p:cNvPr>
+            <a:endParaRPr lang="en-US" dirty="0"/>
+          </a:p>
+        </p:txBody>
+      </p:sp>
+      <p:sp>
+        <p:nvSpPr>
+          <p:cNvPr id="5" name="Date Placeholder 4"/>
           <p:cNvSpPr>
             <a:spLocks noGrp="1"/>
           </p:cNvSpPr>
@@ -1410,7 +1241,7 @@
           <a:p>
             <a:fld id="{6E8E17BA-8914-421B-B515-5EEB3071E743}" type="datetimeFigureOut">
               <a:rPr lang="en-CA" smtClean="0"/>
-              <a:t>2022-09-13</a:t>
+              <a:t>2022-09-22</a:t>
             </a:fld>
             <a:endParaRPr lang="en-CA"/>
           </a:p>
@@ -1418,13 +1249,7 @@
       </p:sp>
       <p:sp>
         <p:nvSpPr>
-          <p:cNvPr id="6" name="Footer Placeholder 5">
-            <a:extLst>
-              <a:ext uri="{FF2B5EF4-FFF2-40B4-BE49-F238E27FC236}">
-                <a16:creationId xmlns:a16="http://schemas.microsoft.com/office/drawing/2014/main" id="{A8D79598-2D9A-4D31-99A3-DC9329A783A5}"/>
-              </a:ext>
-            </a:extLst>
-          </p:cNvPr>
+          <p:cNvPr id="6" name="Footer Placeholder 5"/>
           <p:cNvSpPr>
             <a:spLocks noGrp="1"/>
           </p:cNvSpPr>
@@ -1443,13 +1268,7 @@
       </p:sp>
       <p:sp>
         <p:nvSpPr>
-          <p:cNvPr id="7" name="Slide Number Placeholder 6">
-            <a:extLst>
-              <a:ext uri="{FF2B5EF4-FFF2-40B4-BE49-F238E27FC236}">
-                <a16:creationId xmlns:a16="http://schemas.microsoft.com/office/drawing/2014/main" id="{6234EBD8-C115-4AC7-A920-5FB3BCBC9526}"/>
-              </a:ext>
-            </a:extLst>
-          </p:cNvPr>
+          <p:cNvPr id="7" name="Slide Number Placeholder 6"/>
           <p:cNvSpPr>
             <a:spLocks noGrp="1"/>
           </p:cNvSpPr>
@@ -1473,7 +1292,7 @@
     </p:spTree>
     <p:extLst>
       <p:ext uri="{BB962C8B-B14F-4D97-AF65-F5344CB8AC3E}">
-        <p14:creationId xmlns:p14="http://schemas.microsoft.com/office/powerpoint/2010/main" val="1457017760"/>
+        <p14:creationId xmlns:p14="http://schemas.microsoft.com/office/powerpoint/2010/main" val="264486879"/>
       </p:ext>
     </p:extLst>
   </p:cSld>
@@ -1502,13 +1321,7 @@
       </p:grpSpPr>
       <p:sp>
         <p:nvSpPr>
-          <p:cNvPr id="2" name="Title 1">
-            <a:extLst>
-              <a:ext uri="{FF2B5EF4-FFF2-40B4-BE49-F238E27FC236}">
-                <a16:creationId xmlns:a16="http://schemas.microsoft.com/office/drawing/2014/main" id="{85113A62-DF43-4388-A1B8-FE48A8F75C09}"/>
-              </a:ext>
-            </a:extLst>
-          </p:cNvPr>
+          <p:cNvPr id="2" name="Title 1"/>
           <p:cNvSpPr>
             <a:spLocks noGrp="1"/>
           </p:cNvSpPr>
@@ -1530,19 +1343,13 @@
               <a:rPr lang="en-US"/>
               <a:t>Click to edit Master title style</a:t>
             </a:r>
-            <a:endParaRPr lang="en-CA"/>
-          </a:p>
-        </p:txBody>
-      </p:sp>
-      <p:sp>
-        <p:nvSpPr>
-          <p:cNvPr id="3" name="Text Placeholder 2">
-            <a:extLst>
-              <a:ext uri="{FF2B5EF4-FFF2-40B4-BE49-F238E27FC236}">
-                <a16:creationId xmlns:a16="http://schemas.microsoft.com/office/drawing/2014/main" id="{5A3791F7-65B0-49EF-B09A-22B3487A680E}"/>
-              </a:ext>
-            </a:extLst>
-          </p:cNvPr>
+            <a:endParaRPr lang="en-US" dirty="0"/>
+          </a:p>
+        </p:txBody>
+      </p:sp>
+      <p:sp>
+        <p:nvSpPr>
+          <p:cNvPr id="3" name="Text Placeholder 2"/>
           <p:cNvSpPr>
             <a:spLocks noGrp="1"/>
           </p:cNvSpPr>
@@ -1607,13 +1414,7 @@
       </p:sp>
       <p:sp>
         <p:nvSpPr>
-          <p:cNvPr id="4" name="Content Placeholder 3">
-            <a:extLst>
-              <a:ext uri="{FF2B5EF4-FFF2-40B4-BE49-F238E27FC236}">
-                <a16:creationId xmlns:a16="http://schemas.microsoft.com/office/drawing/2014/main" id="{23B03082-9067-45BF-B2CC-182490EC2623}"/>
-              </a:ext>
-            </a:extLst>
-          </p:cNvPr>
+          <p:cNvPr id="4" name="Content Placeholder 3"/>
           <p:cNvSpPr>
             <a:spLocks noGrp="1"/>
           </p:cNvSpPr>
@@ -1664,19 +1465,13 @@
               <a:rPr lang="en-US"/>
               <a:t>Fifth level</a:t>
             </a:r>
-            <a:endParaRPr lang="en-CA"/>
-          </a:p>
-        </p:txBody>
-      </p:sp>
-      <p:sp>
-        <p:nvSpPr>
-          <p:cNvPr id="5" name="Text Placeholder 4">
-            <a:extLst>
-              <a:ext uri="{FF2B5EF4-FFF2-40B4-BE49-F238E27FC236}">
-                <a16:creationId xmlns:a16="http://schemas.microsoft.com/office/drawing/2014/main" id="{996E615B-11F5-47B8-AF78-F1EB1666D34F}"/>
-              </a:ext>
-            </a:extLst>
-          </p:cNvPr>
+            <a:endParaRPr lang="en-US" dirty="0"/>
+          </a:p>
+        </p:txBody>
+      </p:sp>
+      <p:sp>
+        <p:nvSpPr>
+          <p:cNvPr id="5" name="Text Placeholder 4"/>
           <p:cNvSpPr>
             <a:spLocks noGrp="1"/>
           </p:cNvSpPr>
@@ -1741,13 +1536,7 @@
       </p:sp>
       <p:sp>
         <p:nvSpPr>
-          <p:cNvPr id="6" name="Content Placeholder 5">
-            <a:extLst>
-              <a:ext uri="{FF2B5EF4-FFF2-40B4-BE49-F238E27FC236}">
-                <a16:creationId xmlns:a16="http://schemas.microsoft.com/office/drawing/2014/main" id="{1764E22E-C159-4312-9C9F-D896A4B21914}"/>
-              </a:ext>
-            </a:extLst>
-          </p:cNvPr>
+          <p:cNvPr id="6" name="Content Placeholder 5"/>
           <p:cNvSpPr>
             <a:spLocks noGrp="1"/>
           </p:cNvSpPr>
@@ -1798,19 +1587,13 @@
               <a:rPr lang="en-US"/>
               <a:t>Fifth level</a:t>
             </a:r>
-            <a:endParaRPr lang="en-CA"/>
-          </a:p>
-        </p:txBody>
-      </p:sp>
-      <p:sp>
-        <p:nvSpPr>
-          <p:cNvPr id="7" name="Date Placeholder 6">
-            <a:extLst>
-              <a:ext uri="{FF2B5EF4-FFF2-40B4-BE49-F238E27FC236}">
-                <a16:creationId xmlns:a16="http://schemas.microsoft.com/office/drawing/2014/main" id="{C0FCD2A8-D07A-4479-910D-EFB3C613C6E7}"/>
-              </a:ext>
-            </a:extLst>
-          </p:cNvPr>
+            <a:endParaRPr lang="en-US" dirty="0"/>
+          </a:p>
+        </p:txBody>
+      </p:sp>
+      <p:sp>
+        <p:nvSpPr>
+          <p:cNvPr id="7" name="Date Placeholder 6"/>
           <p:cNvSpPr>
             <a:spLocks noGrp="1"/>
           </p:cNvSpPr>
@@ -1825,7 +1608,7 @@
           <a:p>
             <a:fld id="{6E8E17BA-8914-421B-B515-5EEB3071E743}" type="datetimeFigureOut">
               <a:rPr lang="en-CA" smtClean="0"/>
-              <a:t>2022-09-13</a:t>
+              <a:t>2022-09-22</a:t>
             </a:fld>
             <a:endParaRPr lang="en-CA"/>
           </a:p>
@@ -1833,13 +1616,7 @@
       </p:sp>
       <p:sp>
         <p:nvSpPr>
-          <p:cNvPr id="8" name="Footer Placeholder 7">
-            <a:extLst>
-              <a:ext uri="{FF2B5EF4-FFF2-40B4-BE49-F238E27FC236}">
-                <a16:creationId xmlns:a16="http://schemas.microsoft.com/office/drawing/2014/main" id="{F31A87C9-015D-40D2-8C4C-8A0602C0BE34}"/>
-              </a:ext>
-            </a:extLst>
-          </p:cNvPr>
+          <p:cNvPr id="8" name="Footer Placeholder 7"/>
           <p:cNvSpPr>
             <a:spLocks noGrp="1"/>
           </p:cNvSpPr>
@@ -1858,13 +1635,7 @@
       </p:sp>
       <p:sp>
         <p:nvSpPr>
-          <p:cNvPr id="9" name="Slide Number Placeholder 8">
-            <a:extLst>
-              <a:ext uri="{FF2B5EF4-FFF2-40B4-BE49-F238E27FC236}">
-                <a16:creationId xmlns:a16="http://schemas.microsoft.com/office/drawing/2014/main" id="{A543C5B0-E20E-4E6B-A8E9-7E4615469CDC}"/>
-              </a:ext>
-            </a:extLst>
-          </p:cNvPr>
+          <p:cNvPr id="9" name="Slide Number Placeholder 8"/>
           <p:cNvSpPr>
             <a:spLocks noGrp="1"/>
           </p:cNvSpPr>
@@ -1888,7 +1659,7 @@
     </p:spTree>
     <p:extLst>
       <p:ext uri="{BB962C8B-B14F-4D97-AF65-F5344CB8AC3E}">
-        <p14:creationId xmlns:p14="http://schemas.microsoft.com/office/powerpoint/2010/main" val="82655094"/>
+        <p14:creationId xmlns:p14="http://schemas.microsoft.com/office/powerpoint/2010/main" val="1791741823"/>
       </p:ext>
     </p:extLst>
   </p:cSld>
@@ -1917,13 +1688,7 @@
       </p:grpSpPr>
       <p:sp>
         <p:nvSpPr>
-          <p:cNvPr id="2" name="Title 1">
-            <a:extLst>
-              <a:ext uri="{FF2B5EF4-FFF2-40B4-BE49-F238E27FC236}">
-                <a16:creationId xmlns:a16="http://schemas.microsoft.com/office/drawing/2014/main" id="{69D4312B-2C66-452C-820D-023302C334D8}"/>
-              </a:ext>
-            </a:extLst>
-          </p:cNvPr>
+          <p:cNvPr id="2" name="Title 1"/>
           <p:cNvSpPr>
             <a:spLocks noGrp="1"/>
           </p:cNvSpPr>
@@ -1940,19 +1705,13 @@
               <a:rPr lang="en-US"/>
               <a:t>Click to edit Master title style</a:t>
             </a:r>
-            <a:endParaRPr lang="en-CA"/>
-          </a:p>
-        </p:txBody>
-      </p:sp>
-      <p:sp>
-        <p:nvSpPr>
-          <p:cNvPr id="3" name="Date Placeholder 2">
-            <a:extLst>
-              <a:ext uri="{FF2B5EF4-FFF2-40B4-BE49-F238E27FC236}">
-                <a16:creationId xmlns:a16="http://schemas.microsoft.com/office/drawing/2014/main" id="{3C1C6898-E346-47AE-9469-09CEE5DD3906}"/>
-              </a:ext>
-            </a:extLst>
-          </p:cNvPr>
+            <a:endParaRPr lang="en-US" dirty="0"/>
+          </a:p>
+        </p:txBody>
+      </p:sp>
+      <p:sp>
+        <p:nvSpPr>
+          <p:cNvPr id="3" name="Date Placeholder 2"/>
           <p:cNvSpPr>
             <a:spLocks noGrp="1"/>
           </p:cNvSpPr>
@@ -1967,7 +1726,7 @@
           <a:p>
             <a:fld id="{6E8E17BA-8914-421B-B515-5EEB3071E743}" type="datetimeFigureOut">
               <a:rPr lang="en-CA" smtClean="0"/>
-              <a:t>2022-09-13</a:t>
+              <a:t>2022-09-22</a:t>
             </a:fld>
             <a:endParaRPr lang="en-CA"/>
           </a:p>
@@ -1975,13 +1734,7 @@
       </p:sp>
       <p:sp>
         <p:nvSpPr>
-          <p:cNvPr id="4" name="Footer Placeholder 3">
-            <a:extLst>
-              <a:ext uri="{FF2B5EF4-FFF2-40B4-BE49-F238E27FC236}">
-                <a16:creationId xmlns:a16="http://schemas.microsoft.com/office/drawing/2014/main" id="{1340113C-8FEA-4BE1-8BDF-FBB1852C5BD8}"/>
-              </a:ext>
-            </a:extLst>
-          </p:cNvPr>
+          <p:cNvPr id="4" name="Footer Placeholder 3"/>
           <p:cNvSpPr>
             <a:spLocks noGrp="1"/>
           </p:cNvSpPr>
@@ -2000,13 +1753,7 @@
       </p:sp>
       <p:sp>
         <p:nvSpPr>
-          <p:cNvPr id="5" name="Slide Number Placeholder 4">
-            <a:extLst>
-              <a:ext uri="{FF2B5EF4-FFF2-40B4-BE49-F238E27FC236}">
-                <a16:creationId xmlns:a16="http://schemas.microsoft.com/office/drawing/2014/main" id="{A32DDC50-BB00-4A0D-AA89-9E46A134547C}"/>
-              </a:ext>
-            </a:extLst>
-          </p:cNvPr>
+          <p:cNvPr id="5" name="Slide Number Placeholder 4"/>
           <p:cNvSpPr>
             <a:spLocks noGrp="1"/>
           </p:cNvSpPr>
@@ -2030,7 +1777,7 @@
     </p:spTree>
     <p:extLst>
       <p:ext uri="{BB962C8B-B14F-4D97-AF65-F5344CB8AC3E}">
-        <p14:creationId xmlns:p14="http://schemas.microsoft.com/office/powerpoint/2010/main" val="93825270"/>
+        <p14:creationId xmlns:p14="http://schemas.microsoft.com/office/powerpoint/2010/main" val="3276709682"/>
       </p:ext>
     </p:extLst>
   </p:cSld>
@@ -2059,13 +1806,7 @@
       </p:grpSpPr>
       <p:sp>
         <p:nvSpPr>
-          <p:cNvPr id="2" name="Date Placeholder 1">
-            <a:extLst>
-              <a:ext uri="{FF2B5EF4-FFF2-40B4-BE49-F238E27FC236}">
-                <a16:creationId xmlns:a16="http://schemas.microsoft.com/office/drawing/2014/main" id="{AFB8E1DE-29FD-4428-BFDC-B75A880D4F09}"/>
-              </a:ext>
-            </a:extLst>
-          </p:cNvPr>
+          <p:cNvPr id="2" name="Date Placeholder 1"/>
           <p:cNvSpPr>
             <a:spLocks noGrp="1"/>
           </p:cNvSpPr>
@@ -2080,7 +1821,7 @@
           <a:p>
             <a:fld id="{6E8E17BA-8914-421B-B515-5EEB3071E743}" type="datetimeFigureOut">
               <a:rPr lang="en-CA" smtClean="0"/>
-              <a:t>2022-09-13</a:t>
+              <a:t>2022-09-22</a:t>
             </a:fld>
             <a:endParaRPr lang="en-CA"/>
           </a:p>
@@ -2088,13 +1829,7 @@
       </p:sp>
       <p:sp>
         <p:nvSpPr>
-          <p:cNvPr id="3" name="Footer Placeholder 2">
-            <a:extLst>
-              <a:ext uri="{FF2B5EF4-FFF2-40B4-BE49-F238E27FC236}">
-                <a16:creationId xmlns:a16="http://schemas.microsoft.com/office/drawing/2014/main" id="{4EC88E00-8C06-412F-810A-543F31B5A8BB}"/>
-              </a:ext>
-            </a:extLst>
-          </p:cNvPr>
+          <p:cNvPr id="3" name="Footer Placeholder 2"/>
           <p:cNvSpPr>
             <a:spLocks noGrp="1"/>
           </p:cNvSpPr>
@@ -2113,13 +1848,7 @@
       </p:sp>
       <p:sp>
         <p:nvSpPr>
-          <p:cNvPr id="4" name="Slide Number Placeholder 3">
-            <a:extLst>
-              <a:ext uri="{FF2B5EF4-FFF2-40B4-BE49-F238E27FC236}">
-                <a16:creationId xmlns:a16="http://schemas.microsoft.com/office/drawing/2014/main" id="{68B5771C-561C-4A45-A0F6-746AECDE02FE}"/>
-              </a:ext>
-            </a:extLst>
-          </p:cNvPr>
+          <p:cNvPr id="4" name="Slide Number Placeholder 3"/>
           <p:cNvSpPr>
             <a:spLocks noGrp="1"/>
           </p:cNvSpPr>
@@ -2143,7 +1872,7 @@
     </p:spTree>
     <p:extLst>
       <p:ext uri="{BB962C8B-B14F-4D97-AF65-F5344CB8AC3E}">
-        <p14:creationId xmlns:p14="http://schemas.microsoft.com/office/powerpoint/2010/main" val="247039254"/>
+        <p14:creationId xmlns:p14="http://schemas.microsoft.com/office/powerpoint/2010/main" val="1382367508"/>
       </p:ext>
     </p:extLst>
   </p:cSld>
@@ -2172,13 +1901,7 @@
       </p:grpSpPr>
       <p:sp>
         <p:nvSpPr>
-          <p:cNvPr id="2" name="Title 1">
-            <a:extLst>
-              <a:ext uri="{FF2B5EF4-FFF2-40B4-BE49-F238E27FC236}">
-                <a16:creationId xmlns:a16="http://schemas.microsoft.com/office/drawing/2014/main" id="{FFC45022-3F03-4E16-B9FC-DED43BF7B048}"/>
-              </a:ext>
-            </a:extLst>
-          </p:cNvPr>
+          <p:cNvPr id="2" name="Title 1"/>
           <p:cNvSpPr>
             <a:spLocks noGrp="1"/>
           </p:cNvSpPr>
@@ -2204,19 +1927,13 @@
               <a:rPr lang="en-US"/>
               <a:t>Click to edit Master title style</a:t>
             </a:r>
-            <a:endParaRPr lang="en-CA"/>
-          </a:p>
-        </p:txBody>
-      </p:sp>
-      <p:sp>
-        <p:nvSpPr>
-          <p:cNvPr id="3" name="Content Placeholder 2">
-            <a:extLst>
-              <a:ext uri="{FF2B5EF4-FFF2-40B4-BE49-F238E27FC236}">
-                <a16:creationId xmlns:a16="http://schemas.microsoft.com/office/drawing/2014/main" id="{C9D27FCE-0F50-4002-ADF1-A66E53F532CB}"/>
-              </a:ext>
-            </a:extLst>
-          </p:cNvPr>
+            <a:endParaRPr lang="en-US" dirty="0"/>
+          </a:p>
+        </p:txBody>
+      </p:sp>
+      <p:sp>
+        <p:nvSpPr>
+          <p:cNvPr id="3" name="Content Placeholder 2"/>
           <p:cNvSpPr>
             <a:spLocks noGrp="1"/>
           </p:cNvSpPr>
@@ -2295,19 +2012,13 @@
               <a:rPr lang="en-US"/>
               <a:t>Fifth level</a:t>
             </a:r>
-            <a:endParaRPr lang="en-CA"/>
-          </a:p>
-        </p:txBody>
-      </p:sp>
-      <p:sp>
-        <p:nvSpPr>
-          <p:cNvPr id="4" name="Text Placeholder 3">
-            <a:extLst>
-              <a:ext uri="{FF2B5EF4-FFF2-40B4-BE49-F238E27FC236}">
-                <a16:creationId xmlns:a16="http://schemas.microsoft.com/office/drawing/2014/main" id="{DCFB1DBD-96C6-4341-9C10-676A635C1583}"/>
-              </a:ext>
-            </a:extLst>
-          </p:cNvPr>
+            <a:endParaRPr lang="en-US" dirty="0"/>
+          </a:p>
+        </p:txBody>
+      </p:sp>
+      <p:sp>
+        <p:nvSpPr>
+          <p:cNvPr id="4" name="Text Placeholder 3"/>
           <p:cNvSpPr>
             <a:spLocks noGrp="1"/>
           </p:cNvSpPr>
@@ -2372,13 +2083,7 @@
       </p:sp>
       <p:sp>
         <p:nvSpPr>
-          <p:cNvPr id="5" name="Date Placeholder 4">
-            <a:extLst>
-              <a:ext uri="{FF2B5EF4-FFF2-40B4-BE49-F238E27FC236}">
-                <a16:creationId xmlns:a16="http://schemas.microsoft.com/office/drawing/2014/main" id="{477BF677-64D4-472E-AE67-A92F17146B98}"/>
-              </a:ext>
-            </a:extLst>
-          </p:cNvPr>
+          <p:cNvPr id="5" name="Date Placeholder 4"/>
           <p:cNvSpPr>
             <a:spLocks noGrp="1"/>
           </p:cNvSpPr>
@@ -2393,7 +2098,7 @@
           <a:p>
             <a:fld id="{6E8E17BA-8914-421B-B515-5EEB3071E743}" type="datetimeFigureOut">
               <a:rPr lang="en-CA" smtClean="0"/>
-              <a:t>2022-09-13</a:t>
+              <a:t>2022-09-22</a:t>
             </a:fld>
             <a:endParaRPr lang="en-CA"/>
           </a:p>
@@ -2401,13 +2106,7 @@
       </p:sp>
       <p:sp>
         <p:nvSpPr>
-          <p:cNvPr id="6" name="Footer Placeholder 5">
-            <a:extLst>
-              <a:ext uri="{FF2B5EF4-FFF2-40B4-BE49-F238E27FC236}">
-                <a16:creationId xmlns:a16="http://schemas.microsoft.com/office/drawing/2014/main" id="{4BC82DCE-40DD-4C3B-BDCC-7BC394CFAFD8}"/>
-              </a:ext>
-            </a:extLst>
-          </p:cNvPr>
+          <p:cNvPr id="6" name="Footer Placeholder 5"/>
           <p:cNvSpPr>
             <a:spLocks noGrp="1"/>
           </p:cNvSpPr>
@@ -2426,13 +2125,7 @@
       </p:sp>
       <p:sp>
         <p:nvSpPr>
-          <p:cNvPr id="7" name="Slide Number Placeholder 6">
-            <a:extLst>
-              <a:ext uri="{FF2B5EF4-FFF2-40B4-BE49-F238E27FC236}">
-                <a16:creationId xmlns:a16="http://schemas.microsoft.com/office/drawing/2014/main" id="{DCF3BA03-73D4-4915-B019-41CF6991028A}"/>
-              </a:ext>
-            </a:extLst>
-          </p:cNvPr>
+          <p:cNvPr id="7" name="Slide Number Placeholder 6"/>
           <p:cNvSpPr>
             <a:spLocks noGrp="1"/>
           </p:cNvSpPr>
@@ -2456,7 +2149,7 @@
     </p:spTree>
     <p:extLst>
       <p:ext uri="{BB962C8B-B14F-4D97-AF65-F5344CB8AC3E}">
-        <p14:creationId xmlns:p14="http://schemas.microsoft.com/office/powerpoint/2010/main" val="971488104"/>
+        <p14:creationId xmlns:p14="http://schemas.microsoft.com/office/powerpoint/2010/main" val="2782942671"/>
       </p:ext>
     </p:extLst>
   </p:cSld>
@@ -2485,13 +2178,7 @@
       </p:grpSpPr>
       <p:sp>
         <p:nvSpPr>
-          <p:cNvPr id="2" name="Title 1">
-            <a:extLst>
-              <a:ext uri="{FF2B5EF4-FFF2-40B4-BE49-F238E27FC236}">
-                <a16:creationId xmlns:a16="http://schemas.microsoft.com/office/drawing/2014/main" id="{717998E6-D631-4E3A-B7EA-ED6D6C61FFAA}"/>
-              </a:ext>
-            </a:extLst>
-          </p:cNvPr>
+          <p:cNvPr id="2" name="Title 1"/>
           <p:cNvSpPr>
             <a:spLocks noGrp="1"/>
           </p:cNvSpPr>
@@ -2517,21 +2204,15 @@
               <a:rPr lang="en-US"/>
               <a:t>Click to edit Master title style</a:t>
             </a:r>
-            <a:endParaRPr lang="en-CA"/>
-          </a:p>
-        </p:txBody>
-      </p:sp>
-      <p:sp>
-        <p:nvSpPr>
-          <p:cNvPr id="3" name="Picture Placeholder 2">
-            <a:extLst>
-              <a:ext uri="{FF2B5EF4-FFF2-40B4-BE49-F238E27FC236}">
-                <a16:creationId xmlns:a16="http://schemas.microsoft.com/office/drawing/2014/main" id="{AC2E2B29-86B3-4FA6-8C57-137E6E5AC7BE}"/>
-              </a:ext>
-            </a:extLst>
-          </p:cNvPr>
-          <p:cNvSpPr>
-            <a:spLocks noGrp="1"/>
+            <a:endParaRPr lang="en-US" dirty="0"/>
+          </a:p>
+        </p:txBody>
+      </p:sp>
+      <p:sp>
+        <p:nvSpPr>
+          <p:cNvPr id="3" name="Picture Placeholder 2"/>
+          <p:cNvSpPr>
+            <a:spLocks noGrp="1" noChangeAspect="1"/>
           </p:cNvSpPr>
           <p:nvPr>
             <p:ph type="pic" idx="1"/>
@@ -2544,7 +2225,7 @@
           </a:xfrm>
         </p:spPr>
         <p:txBody>
-          <a:bodyPr/>
+          <a:bodyPr anchor="t"/>
           <a:lstStyle>
             <a:lvl1pPr marL="0" indent="0">
               <a:buNone/>
@@ -2584,19 +2265,17 @@
             </a:lvl9pPr>
           </a:lstStyle>
           <a:p>
-            <a:endParaRPr lang="en-CA"/>
-          </a:p>
-        </p:txBody>
-      </p:sp>
-      <p:sp>
-        <p:nvSpPr>
-          <p:cNvPr id="4" name="Text Placeholder 3">
-            <a:extLst>
-              <a:ext uri="{FF2B5EF4-FFF2-40B4-BE49-F238E27FC236}">
-                <a16:creationId xmlns:a16="http://schemas.microsoft.com/office/drawing/2014/main" id="{C3D14BB8-83E1-4BE4-B912-857F135AC35A}"/>
-              </a:ext>
-            </a:extLst>
-          </p:cNvPr>
+            <a:r>
+              <a:rPr lang="en-US"/>
+              <a:t>Click icon to add picture</a:t>
+            </a:r>
+            <a:endParaRPr lang="en-US" dirty="0"/>
+          </a:p>
+        </p:txBody>
+      </p:sp>
+      <p:sp>
+        <p:nvSpPr>
+          <p:cNvPr id="4" name="Text Placeholder 3"/>
           <p:cNvSpPr>
             <a:spLocks noGrp="1"/>
           </p:cNvSpPr>
@@ -2661,13 +2340,7 @@
       </p:sp>
       <p:sp>
         <p:nvSpPr>
-          <p:cNvPr id="5" name="Date Placeholder 4">
-            <a:extLst>
-              <a:ext uri="{FF2B5EF4-FFF2-40B4-BE49-F238E27FC236}">
-                <a16:creationId xmlns:a16="http://schemas.microsoft.com/office/drawing/2014/main" id="{8B4FC19E-901A-4F9A-8E3E-7BC9AB15B375}"/>
-              </a:ext>
-            </a:extLst>
-          </p:cNvPr>
+          <p:cNvPr id="5" name="Date Placeholder 4"/>
           <p:cNvSpPr>
             <a:spLocks noGrp="1"/>
           </p:cNvSpPr>
@@ -2682,7 +2355,7 @@
           <a:p>
             <a:fld id="{6E8E17BA-8914-421B-B515-5EEB3071E743}" type="datetimeFigureOut">
               <a:rPr lang="en-CA" smtClean="0"/>
-              <a:t>2022-09-13</a:t>
+              <a:t>2022-09-22</a:t>
             </a:fld>
             <a:endParaRPr lang="en-CA"/>
           </a:p>
@@ -2690,13 +2363,7 @@
       </p:sp>
       <p:sp>
         <p:nvSpPr>
-          <p:cNvPr id="6" name="Footer Placeholder 5">
-            <a:extLst>
-              <a:ext uri="{FF2B5EF4-FFF2-40B4-BE49-F238E27FC236}">
-                <a16:creationId xmlns:a16="http://schemas.microsoft.com/office/drawing/2014/main" id="{FB755B72-C562-4FD4-B4F4-A5B4540AB894}"/>
-              </a:ext>
-            </a:extLst>
-          </p:cNvPr>
+          <p:cNvPr id="6" name="Footer Placeholder 5"/>
           <p:cNvSpPr>
             <a:spLocks noGrp="1"/>
           </p:cNvSpPr>
@@ -2715,13 +2382,7 @@
       </p:sp>
       <p:sp>
         <p:nvSpPr>
-          <p:cNvPr id="7" name="Slide Number Placeholder 6">
-            <a:extLst>
-              <a:ext uri="{FF2B5EF4-FFF2-40B4-BE49-F238E27FC236}">
-                <a16:creationId xmlns:a16="http://schemas.microsoft.com/office/drawing/2014/main" id="{7CD277A3-E2F2-484C-B302-7E86E108A0E8}"/>
-              </a:ext>
-            </a:extLst>
-          </p:cNvPr>
+          <p:cNvPr id="7" name="Slide Number Placeholder 6"/>
           <p:cNvSpPr>
             <a:spLocks noGrp="1"/>
           </p:cNvSpPr>
@@ -2745,7 +2406,7 @@
     </p:spTree>
     <p:extLst>
       <p:ext uri="{BB962C8B-B14F-4D97-AF65-F5344CB8AC3E}">
-        <p14:creationId xmlns:p14="http://schemas.microsoft.com/office/powerpoint/2010/main" val="1607047041"/>
+        <p14:creationId xmlns:p14="http://schemas.microsoft.com/office/powerpoint/2010/main" val="1555585530"/>
       </p:ext>
     </p:extLst>
   </p:cSld>
@@ -2779,13 +2440,7 @@
       </p:grpSpPr>
       <p:sp>
         <p:nvSpPr>
-          <p:cNvPr id="2" name="Title Placeholder 1">
-            <a:extLst>
-              <a:ext uri="{FF2B5EF4-FFF2-40B4-BE49-F238E27FC236}">
-                <a16:creationId xmlns:a16="http://schemas.microsoft.com/office/drawing/2014/main" id="{CB8BB5B7-4234-4CDA-8192-F33E396F58CE}"/>
-              </a:ext>
-            </a:extLst>
-          </p:cNvPr>
+          <p:cNvPr id="2" name="Title Placeholder 1"/>
           <p:cNvSpPr>
             <a:spLocks noGrp="1"/>
           </p:cNvSpPr>
@@ -2812,19 +2467,13 @@
               <a:rPr lang="en-US"/>
               <a:t>Click to edit Master title style</a:t>
             </a:r>
-            <a:endParaRPr lang="en-CA"/>
-          </a:p>
-        </p:txBody>
-      </p:sp>
-      <p:sp>
-        <p:nvSpPr>
-          <p:cNvPr id="3" name="Text Placeholder 2">
-            <a:extLst>
-              <a:ext uri="{FF2B5EF4-FFF2-40B4-BE49-F238E27FC236}">
-                <a16:creationId xmlns:a16="http://schemas.microsoft.com/office/drawing/2014/main" id="{7ACEF356-5CA9-4924-AD72-C6F4A1264179}"/>
-              </a:ext>
-            </a:extLst>
-          </p:cNvPr>
+            <a:endParaRPr lang="en-US" dirty="0"/>
+          </a:p>
+        </p:txBody>
+      </p:sp>
+      <p:sp>
+        <p:nvSpPr>
+          <p:cNvPr id="3" name="Text Placeholder 2"/>
           <p:cNvSpPr>
             <a:spLocks noGrp="1"/>
           </p:cNvSpPr>
@@ -2880,19 +2529,13 @@
               <a:rPr lang="en-US"/>
               <a:t>Fifth level</a:t>
             </a:r>
-            <a:endParaRPr lang="en-CA"/>
-          </a:p>
-        </p:txBody>
-      </p:sp>
-      <p:sp>
-        <p:nvSpPr>
-          <p:cNvPr id="4" name="Date Placeholder 3">
-            <a:extLst>
-              <a:ext uri="{FF2B5EF4-FFF2-40B4-BE49-F238E27FC236}">
-                <a16:creationId xmlns:a16="http://schemas.microsoft.com/office/drawing/2014/main" id="{4192F73F-FC1D-40F5-A826-D9A78A1C22A4}"/>
-              </a:ext>
-            </a:extLst>
-          </p:cNvPr>
+            <a:endParaRPr lang="en-US" dirty="0"/>
+          </a:p>
+        </p:txBody>
+      </p:sp>
+      <p:sp>
+        <p:nvSpPr>
+          <p:cNvPr id="4" name="Date Placeholder 3"/>
           <p:cNvSpPr>
             <a:spLocks noGrp="1"/>
           </p:cNvSpPr>
@@ -2925,7 +2568,7 @@
           <a:p>
             <a:fld id="{6E8E17BA-8914-421B-B515-5EEB3071E743}" type="datetimeFigureOut">
               <a:rPr lang="en-CA" smtClean="0"/>
-              <a:t>2022-09-13</a:t>
+              <a:t>2022-09-22</a:t>
             </a:fld>
             <a:endParaRPr lang="en-CA"/>
           </a:p>
@@ -2933,13 +2576,7 @@
       </p:sp>
       <p:sp>
         <p:nvSpPr>
-          <p:cNvPr id="5" name="Footer Placeholder 4">
-            <a:extLst>
-              <a:ext uri="{FF2B5EF4-FFF2-40B4-BE49-F238E27FC236}">
-                <a16:creationId xmlns:a16="http://schemas.microsoft.com/office/drawing/2014/main" id="{54184D26-73A7-4BD5-A42D-30A10ACCD04A}"/>
-              </a:ext>
-            </a:extLst>
-          </p:cNvPr>
+          <p:cNvPr id="5" name="Footer Placeholder 4"/>
           <p:cNvSpPr>
             <a:spLocks noGrp="1"/>
           </p:cNvSpPr>
@@ -2976,13 +2613,7 @@
       </p:sp>
       <p:sp>
         <p:nvSpPr>
-          <p:cNvPr id="6" name="Slide Number Placeholder 5">
-            <a:extLst>
-              <a:ext uri="{FF2B5EF4-FFF2-40B4-BE49-F238E27FC236}">
-                <a16:creationId xmlns:a16="http://schemas.microsoft.com/office/drawing/2014/main" id="{F174A9A1-14BD-4CA6-9C50-B55CA70ADF85}"/>
-              </a:ext>
-            </a:extLst>
-          </p:cNvPr>
+          <p:cNvPr id="6" name="Slide Number Placeholder 5"/>
           <p:cNvSpPr>
             <a:spLocks noGrp="1"/>
           </p:cNvSpPr>
@@ -3024,23 +2655,23 @@
     </p:spTree>
     <p:extLst>
       <p:ext uri="{BB962C8B-B14F-4D97-AF65-F5344CB8AC3E}">
-        <p14:creationId xmlns:p14="http://schemas.microsoft.com/office/powerpoint/2010/main" val="1864558251"/>
+        <p14:creationId xmlns:p14="http://schemas.microsoft.com/office/powerpoint/2010/main" val="3693886747"/>
       </p:ext>
     </p:extLst>
   </p:cSld>
   <p:clrMap bg1="lt1" tx1="dk1" bg2="lt2" tx2="dk2" accent1="accent1" accent2="accent2" accent3="accent3" accent4="accent4" accent5="accent5" accent6="accent6" hlink="hlink" folHlink="folHlink"/>
   <p:sldLayoutIdLst>
-    <p:sldLayoutId id="2147483649" r:id="rId1"/>
-    <p:sldLayoutId id="2147483650" r:id="rId2"/>
-    <p:sldLayoutId id="2147483651" r:id="rId3"/>
-    <p:sldLayoutId id="2147483652" r:id="rId4"/>
-    <p:sldLayoutId id="2147483653" r:id="rId5"/>
-    <p:sldLayoutId id="2147483654" r:id="rId6"/>
-    <p:sldLayoutId id="2147483655" r:id="rId7"/>
-    <p:sldLayoutId id="2147483656" r:id="rId8"/>
-    <p:sldLayoutId id="2147483657" r:id="rId9"/>
-    <p:sldLayoutId id="2147483658" r:id="rId10"/>
-    <p:sldLayoutId id="2147483659" r:id="rId11"/>
+    <p:sldLayoutId id="2147483697" r:id="rId1"/>
+    <p:sldLayoutId id="2147483698" r:id="rId2"/>
+    <p:sldLayoutId id="2147483699" r:id="rId3"/>
+    <p:sldLayoutId id="2147483700" r:id="rId4"/>
+    <p:sldLayoutId id="2147483701" r:id="rId5"/>
+    <p:sldLayoutId id="2147483702" r:id="rId6"/>
+    <p:sldLayoutId id="2147483703" r:id="rId7"/>
+    <p:sldLayoutId id="2147483704" r:id="rId8"/>
+    <p:sldLayoutId id="2147483705" r:id="rId9"/>
+    <p:sldLayoutId id="2147483706" r:id="rId10"/>
+    <p:sldLayoutId id="2147483707" r:id="rId11"/>
   </p:sldLayoutIdLst>
   <p:txStyles>
     <p:titleStyle>
@@ -3344,10 +2975,10 @@
       </p:grpSpPr>
       <p:sp>
         <p:nvSpPr>
-          <p:cNvPr id="49" name="Rectangle 48">
+          <p:cNvPr id="30" name="Rectangle 29">
             <a:extLst>
               <a:ext uri="{FF2B5EF4-FFF2-40B4-BE49-F238E27FC236}">
-                <a16:creationId xmlns:a16="http://schemas.microsoft.com/office/drawing/2014/main" id="{71408653-C652-4FBF-AB9D-4F0F468AD43E}"/>
+                <a16:creationId xmlns:a16="http://schemas.microsoft.com/office/drawing/2014/main" id="{B37566B9-5CF9-40D5-B55F-81CCDAD47FA5}"/>
               </a:ext>
             </a:extLst>
           </p:cNvPr>
@@ -3356,8 +2987,8 @@
         </p:nvSpPr>
         <p:spPr>
           <a:xfrm>
-            <a:off x="1908231" y="529389"/>
-            <a:ext cx="8592082" cy="2645781"/>
+            <a:off x="245838" y="602505"/>
+            <a:ext cx="11700323" cy="5652990"/>
           </a:xfrm>
           <a:prstGeom prst="rect">
             <a:avLst/>
@@ -3392,7 +3023,61 @@
           <a:lstStyle/>
           <a:p>
             <a:pPr algn="ctr"/>
-            <a:endParaRPr lang="en-CA"/>
+            <a:endParaRPr lang="en-CA" sz="1351"/>
+          </a:p>
+        </p:txBody>
+      </p:sp>
+      <p:sp>
+        <p:nvSpPr>
+          <p:cNvPr id="49" name="Rectangle 48">
+            <a:extLst>
+              <a:ext uri="{FF2B5EF4-FFF2-40B4-BE49-F238E27FC236}">
+                <a16:creationId xmlns:a16="http://schemas.microsoft.com/office/drawing/2014/main" id="{71408653-C652-4FBF-AB9D-4F0F468AD43E}"/>
+              </a:ext>
+            </a:extLst>
+          </p:cNvPr>
+          <p:cNvSpPr/>
+          <p:nvPr/>
+        </p:nvSpPr>
+        <p:spPr>
+          <a:xfrm>
+            <a:off x="2157161" y="935480"/>
+            <a:ext cx="8012246" cy="2645782"/>
+          </a:xfrm>
+          <a:prstGeom prst="rect">
+            <a:avLst/>
+          </a:prstGeom>
+          <a:solidFill>
+            <a:schemeClr val="bg1"/>
+          </a:solidFill>
+          <a:ln w="57150">
+            <a:solidFill>
+              <a:schemeClr val="accent1"/>
+            </a:solidFill>
+          </a:ln>
+        </p:spPr>
+        <p:style>
+          <a:lnRef idx="2">
+            <a:schemeClr val="accent1">
+              <a:shade val="50000"/>
+            </a:schemeClr>
+          </a:lnRef>
+          <a:fillRef idx="1">
+            <a:schemeClr val="accent1"/>
+          </a:fillRef>
+          <a:effectRef idx="0">
+            <a:schemeClr val="accent1"/>
+          </a:effectRef>
+          <a:fontRef idx="minor">
+            <a:schemeClr val="lt1"/>
+          </a:fontRef>
+        </p:style>
+        <p:txBody>
+          <a:bodyPr rtlCol="0" anchor="ctr"/>
+          <a:lstStyle/>
+          <a:p>
+            <a:pPr algn="ctr"/>
+            <a:endParaRPr lang="en-CA" sz="1351"/>
           </a:p>
         </p:txBody>
       </p:sp>
@@ -3424,8 +3109,8 @@
         </p:blipFill>
         <p:spPr>
           <a:xfrm>
-            <a:off x="4751113" y="828871"/>
-            <a:ext cx="2926086" cy="2194565"/>
+            <a:off x="4792714" y="1192795"/>
+            <a:ext cx="2926087" cy="2194565"/>
           </a:xfrm>
           <a:prstGeom prst="rect">
             <a:avLst/>
@@ -3460,8 +3145,8 @@
         </p:blipFill>
         <p:spPr>
           <a:xfrm>
-            <a:off x="4751113" y="3288348"/>
-            <a:ext cx="2926086" cy="2194565"/>
+            <a:off x="4792714" y="3652271"/>
+            <a:ext cx="2926087" cy="2194565"/>
           </a:xfrm>
           <a:prstGeom prst="rect">
             <a:avLst/>
@@ -3484,8 +3169,8 @@
             </p:nvSpPr>
             <p:spPr>
               <a:xfrm>
-                <a:off x="4459925" y="690371"/>
-                <a:ext cx="3508461" cy="276999"/>
+                <a:off x="4936617" y="1054298"/>
+                <a:ext cx="2638286" cy="207877"/>
               </a:xfrm>
               <a:prstGeom prst="rect">
                 <a:avLst/>
@@ -3500,13 +3185,13 @@
               <a:p>
                 <a:pPr algn="ctr"/>
                 <a:r>
-                  <a:rPr lang="en-CA" b="0" dirty="0"/>
+                  <a:rPr lang="en-CA" sz="1351" dirty="0"/>
                   <a:t>Forward model: </a:t>
                 </a:r>
                 <a14:m>
                   <m:oMath xmlns:m="http://schemas.openxmlformats.org/officeDocument/2006/math">
                     <m:r>
-                      <a:rPr lang="en-CA" b="0" i="1" smtClean="0">
+                      <a:rPr lang="en-CA" sz="1351" i="1">
                         <a:latin typeface="Cambria Math" panose="02040503050406030204" pitchFamily="18" charset="0"/>
                       </a:rPr>
                       <m:t>𝑑</m:t>
@@ -3514,14 +3199,14 @@
                     <m:sSub>
                       <m:sSubPr>
                         <m:ctrlPr>
-                          <a:rPr lang="en-CA" b="0" i="1" smtClean="0">
+                          <a:rPr lang="en-CA" sz="1351" i="1">
                             <a:latin typeface="Cambria Math" panose="02040503050406030204" pitchFamily="18" charset="0"/>
                           </a:rPr>
                         </m:ctrlPr>
                       </m:sSubPr>
                       <m:e>
                         <m:r>
-                          <a:rPr lang="en-CA" b="0" i="1" smtClean="0">
+                          <a:rPr lang="en-CA" sz="1351" i="1">
                             <a:latin typeface="Cambria Math" panose="02040503050406030204" pitchFamily="18" charset="0"/>
                           </a:rPr>
                           <m:t>𝑋</m:t>
@@ -3529,7 +3214,7 @@
                       </m:e>
                       <m:sub>
                         <m:r>
-                          <a:rPr lang="en-CA" b="0" i="1" smtClean="0">
+                          <a:rPr lang="en-CA" sz="1351" i="1">
                             <a:latin typeface="Cambria Math" panose="02040503050406030204" pitchFamily="18" charset="0"/>
                           </a:rPr>
                           <m:t>𝑡</m:t>
@@ -3537,49 +3222,49 @@
                       </m:sub>
                     </m:sSub>
                     <m:r>
-                      <a:rPr lang="en-CA" b="0" i="1" smtClean="0">
+                      <a:rPr lang="en-CA" sz="1351" i="1">
                         <a:latin typeface="Cambria Math" panose="02040503050406030204" pitchFamily="18" charset="0"/>
                       </a:rPr>
                       <m:t>=</m:t>
                     </m:r>
                     <m:r>
-                      <a:rPr lang="en-CA" b="0" i="1" smtClean="0">
+                      <a:rPr lang="en-CA" sz="1351" i="1">
                         <a:latin typeface="Cambria Math" panose="02040503050406030204" pitchFamily="18" charset="0"/>
                       </a:rPr>
                       <m:t>𝑣</m:t>
                     </m:r>
                     <m:r>
-                      <a:rPr lang="en-CA" b="0" i="1" smtClean="0">
+                      <a:rPr lang="en-CA" sz="1351" i="1">
                         <a:latin typeface="Cambria Math" panose="02040503050406030204" pitchFamily="18" charset="0"/>
                       </a:rPr>
                       <m:t> </m:t>
                     </m:r>
                     <m:r>
-                      <a:rPr lang="en-CA" b="0" i="1" smtClean="0">
+                      <a:rPr lang="en-CA" sz="1351" i="1">
                         <a:latin typeface="Cambria Math" panose="02040503050406030204" pitchFamily="18" charset="0"/>
                       </a:rPr>
                       <m:t>𝑑𝑡</m:t>
                     </m:r>
                     <m:r>
-                      <a:rPr lang="en-CA" b="0" i="1" smtClean="0">
+                      <a:rPr lang="en-CA" sz="1351" i="1">
                         <a:latin typeface="Cambria Math" panose="02040503050406030204" pitchFamily="18" charset="0"/>
                       </a:rPr>
                       <m:t>+</m:t>
                     </m:r>
                     <m:r>
-                      <a:rPr lang="en-CA" b="0" i="1" smtClean="0">
+                      <a:rPr lang="en-CA" sz="1351" i="1">
                         <a:latin typeface="Cambria Math" panose="02040503050406030204" pitchFamily="18" charset="0"/>
                       </a:rPr>
                       <m:t>𝜎</m:t>
                     </m:r>
                     <m:r>
-                      <a:rPr lang="en-CA" b="0" i="1" smtClean="0">
+                      <a:rPr lang="en-CA" sz="1351" i="1">
                         <a:latin typeface="Cambria Math" panose="02040503050406030204" pitchFamily="18" charset="0"/>
                       </a:rPr>
                       <m:t> </m:t>
                     </m:r>
                     <m:r>
-                      <a:rPr lang="en-CA" b="0" i="1" smtClean="0">
+                      <a:rPr lang="en-CA" sz="1351" i="1">
                         <a:latin typeface="Cambria Math" panose="02040503050406030204" pitchFamily="18" charset="0"/>
                       </a:rPr>
                       <m:t>𝑑</m:t>
@@ -3587,14 +3272,14 @@
                     <m:sSub>
                       <m:sSubPr>
                         <m:ctrlPr>
-                          <a:rPr lang="en-CA" b="0" i="1" smtClean="0">
+                          <a:rPr lang="en-CA" sz="1351" i="1">
                             <a:latin typeface="Cambria Math" panose="02040503050406030204" pitchFamily="18" charset="0"/>
                           </a:rPr>
                         </m:ctrlPr>
                       </m:sSubPr>
                       <m:e>
                         <m:r>
-                          <a:rPr lang="en-CA" b="0" i="1" smtClean="0">
+                          <a:rPr lang="en-CA" sz="1351" i="1">
                             <a:latin typeface="Cambria Math" panose="02040503050406030204" pitchFamily="18" charset="0"/>
                           </a:rPr>
                           <m:t>𝑊</m:t>
@@ -3602,7 +3287,7 @@
                       </m:e>
                       <m:sub>
                         <m:r>
-                          <a:rPr lang="en-CA" b="0" i="1" smtClean="0">
+                          <a:rPr lang="en-CA" sz="1351" i="1">
                             <a:latin typeface="Cambria Math" panose="02040503050406030204" pitchFamily="18" charset="0"/>
                           </a:rPr>
                           <m:t>𝑡</m:t>
@@ -3611,7 +3296,7 @@
                     </m:sSub>
                   </m:oMath>
                 </a14:m>
-                <a:endParaRPr lang="en-CA" b="0" dirty="0"/>
+                <a:endParaRPr lang="en-CA" sz="1351" dirty="0"/>
               </a:p>
             </p:txBody>
           </p:sp>
@@ -3633,8 +3318,8 @@
             </p:nvSpPr>
             <p:spPr>
               <a:xfrm>
-                <a:off x="4459925" y="690371"/>
-                <a:ext cx="3508461" cy="276999"/>
+                <a:off x="4936617" y="1054298"/>
+                <a:ext cx="2638286" cy="207877"/>
               </a:xfrm>
               <a:prstGeom prst="rect">
                 <a:avLst/>
@@ -3642,7 +3327,7 @@
               <a:blipFill>
                 <a:blip r:embed="rId4"/>
                 <a:stretch>
-                  <a:fillRect l="-3652" t="-28261" r="-870" b="-50000"/>
+                  <a:fillRect l="-3695" t="-26471" r="-462" b="-50000"/>
                 </a:stretch>
               </a:blipFill>
             </p:spPr>
@@ -3677,8 +3362,8 @@
             </p:nvSpPr>
             <p:spPr>
               <a:xfrm>
-                <a:off x="4459925" y="5457485"/>
-                <a:ext cx="3609963" cy="276999"/>
+                <a:off x="4950080" y="5821411"/>
+                <a:ext cx="2712859" cy="207877"/>
               </a:xfrm>
               <a:prstGeom prst="rect">
                 <a:avLst/>
@@ -3693,17 +3378,13 @@
               <a:p>
                 <a:pPr algn="ctr"/>
                 <a:r>
-                  <a:rPr lang="en-CA" dirty="0"/>
-                  <a:t>Back</a:t>
-                </a:r>
-                <a:r>
-                  <a:rPr lang="en-CA" b="0" dirty="0"/>
-                  <a:t>ward model: </a:t>
+                  <a:rPr lang="en-CA" sz="1351" dirty="0"/>
+                  <a:t>Backward model: </a:t>
                 </a:r>
                 <a14:m>
                   <m:oMath xmlns:m="http://schemas.openxmlformats.org/officeDocument/2006/math">
                     <m:r>
-                      <a:rPr lang="en-CA" b="0" i="1" smtClean="0">
+                      <a:rPr lang="en-CA" sz="1351" i="1">
                         <a:latin typeface="Cambria Math" panose="02040503050406030204" pitchFamily="18" charset="0"/>
                       </a:rPr>
                       <m:t>𝑑</m:t>
@@ -3711,14 +3392,14 @@
                     <m:sSub>
                       <m:sSubPr>
                         <m:ctrlPr>
-                          <a:rPr lang="en-CA" b="0" i="1" smtClean="0">
+                          <a:rPr lang="en-CA" sz="1351" i="1">
                             <a:latin typeface="Cambria Math" panose="02040503050406030204" pitchFamily="18" charset="0"/>
                           </a:rPr>
                         </m:ctrlPr>
                       </m:sSubPr>
                       <m:e>
                         <m:r>
-                          <a:rPr lang="en-CA" b="0" i="1" smtClean="0">
+                          <a:rPr lang="en-CA" sz="1351" i="1">
                             <a:latin typeface="Cambria Math" panose="02040503050406030204" pitchFamily="18" charset="0"/>
                           </a:rPr>
                           <m:t>𝑌</m:t>
@@ -3726,7 +3407,7 @@
                       </m:e>
                       <m:sub>
                         <m:r>
-                          <a:rPr lang="en-CA" b="0" i="1" smtClean="0">
+                          <a:rPr lang="en-CA" sz="1351" i="1">
                             <a:latin typeface="Cambria Math" panose="02040503050406030204" pitchFamily="18" charset="0"/>
                           </a:rPr>
                           <m:t>𝑡</m:t>
@@ -3734,49 +3415,49 @@
                       </m:sub>
                     </m:sSub>
                     <m:r>
-                      <a:rPr lang="en-CA" b="0" i="1" smtClean="0">
+                      <a:rPr lang="en-CA" sz="1351" i="1">
                         <a:latin typeface="Cambria Math" panose="02040503050406030204" pitchFamily="18" charset="0"/>
                       </a:rPr>
                       <m:t>=</m:t>
                     </m:r>
                     <m:r>
-                      <a:rPr lang="en-CA" b="0" i="1" smtClean="0">
+                      <a:rPr lang="en-CA" sz="1351" i="1">
                         <a:latin typeface="Cambria Math" panose="02040503050406030204" pitchFamily="18" charset="0"/>
                       </a:rPr>
                       <m:t>𝑢</m:t>
                     </m:r>
                     <m:r>
-                      <a:rPr lang="en-CA" b="0" i="1" smtClean="0">
+                      <a:rPr lang="en-CA" sz="1351" i="1">
                         <a:latin typeface="Cambria Math" panose="02040503050406030204" pitchFamily="18" charset="0"/>
                       </a:rPr>
                       <m:t> </m:t>
                     </m:r>
                     <m:r>
-                      <a:rPr lang="en-CA" b="0" i="1" smtClean="0">
+                      <a:rPr lang="en-CA" sz="1351" i="1">
                         <a:latin typeface="Cambria Math" panose="02040503050406030204" pitchFamily="18" charset="0"/>
                       </a:rPr>
                       <m:t>𝑑𝑡</m:t>
                     </m:r>
                     <m:r>
-                      <a:rPr lang="en-CA" b="0" i="1" smtClean="0">
+                      <a:rPr lang="en-CA" sz="1351" i="1">
                         <a:latin typeface="Cambria Math" panose="02040503050406030204" pitchFamily="18" charset="0"/>
                       </a:rPr>
                       <m:t>+</m:t>
                     </m:r>
                     <m:r>
-                      <a:rPr lang="en-CA" b="0" i="1" smtClean="0">
+                      <a:rPr lang="en-CA" sz="1351" i="1">
                         <a:latin typeface="Cambria Math" panose="02040503050406030204" pitchFamily="18" charset="0"/>
                       </a:rPr>
                       <m:t>𝜎</m:t>
                     </m:r>
                     <m:r>
-                      <a:rPr lang="en-CA" b="0" i="1" smtClean="0">
+                      <a:rPr lang="en-CA" sz="1351" i="1">
                         <a:latin typeface="Cambria Math" panose="02040503050406030204" pitchFamily="18" charset="0"/>
                       </a:rPr>
                       <m:t> </m:t>
                     </m:r>
                     <m:r>
-                      <a:rPr lang="en-CA" b="0" i="1" smtClean="0">
+                      <a:rPr lang="en-CA" sz="1351" i="1">
                         <a:latin typeface="Cambria Math" panose="02040503050406030204" pitchFamily="18" charset="0"/>
                       </a:rPr>
                       <m:t>𝑑</m:t>
@@ -3784,14 +3465,14 @@
                     <m:sSub>
                       <m:sSubPr>
                         <m:ctrlPr>
-                          <a:rPr lang="en-CA" b="0" i="1" smtClean="0">
+                          <a:rPr lang="en-CA" sz="1351" i="1">
                             <a:latin typeface="Cambria Math" panose="02040503050406030204" pitchFamily="18" charset="0"/>
                           </a:rPr>
                         </m:ctrlPr>
                       </m:sSubPr>
                       <m:e>
                         <m:r>
-                          <a:rPr lang="en-CA" b="0" i="1" smtClean="0">
+                          <a:rPr lang="en-CA" sz="1351" i="1">
                             <a:latin typeface="Cambria Math" panose="02040503050406030204" pitchFamily="18" charset="0"/>
                           </a:rPr>
                           <m:t>𝑊</m:t>
@@ -3799,7 +3480,7 @@
                       </m:e>
                       <m:sub>
                         <m:r>
-                          <a:rPr lang="en-CA" b="0" i="1" smtClean="0">
+                          <a:rPr lang="en-CA" sz="1351" i="1">
                             <a:latin typeface="Cambria Math" panose="02040503050406030204" pitchFamily="18" charset="0"/>
                           </a:rPr>
                           <m:t>𝑡</m:t>
@@ -3808,7 +3489,7 @@
                     </m:sSub>
                   </m:oMath>
                 </a14:m>
-                <a:endParaRPr lang="en-CA" b="0" dirty="0"/>
+                <a:endParaRPr lang="en-CA" sz="1351" dirty="0"/>
               </a:p>
             </p:txBody>
           </p:sp>
@@ -3830,8 +3511,8 @@
             </p:nvSpPr>
             <p:spPr>
               <a:xfrm>
-                <a:off x="4459925" y="5457485"/>
-                <a:ext cx="3609963" cy="276999"/>
+                <a:off x="4950080" y="5821411"/>
+                <a:ext cx="2712859" cy="207877"/>
               </a:xfrm>
               <a:prstGeom prst="rect">
                 <a:avLst/>
@@ -3839,7 +3520,7 @@
               <a:blipFill>
                 <a:blip r:embed="rId5"/>
                 <a:stretch>
-                  <a:fillRect l="-3547" t="-28261" r="-845" b="-50000"/>
+                  <a:fillRect l="-3371" t="-26471" r="-674" b="-50000"/>
                 </a:stretch>
               </a:blipFill>
             </p:spPr>
@@ -3874,8 +3555,8 @@
         </p:nvCxnSpPr>
         <p:spPr>
           <a:xfrm flipV="1">
-            <a:off x="7677199" y="1926152"/>
-            <a:ext cx="746757" cy="2"/>
+            <a:off x="7718801" y="2290076"/>
+            <a:ext cx="746758" cy="2"/>
           </a:xfrm>
           <a:prstGeom prst="straightConnector1">
             <a:avLst/>
@@ -3913,8 +3594,8 @@
         </p:nvSpPr>
         <p:spPr>
           <a:xfrm>
-            <a:off x="7677198" y="1587597"/>
-            <a:ext cx="746757" cy="338554"/>
+            <a:off x="7718799" y="1951524"/>
+            <a:ext cx="746758" cy="338554"/>
           </a:xfrm>
           <a:prstGeom prst="rect">
             <a:avLst/>
@@ -3950,8 +3631,8 @@
             </p:nvSpPr>
             <p:spPr>
               <a:xfrm>
-                <a:off x="8557601" y="1785182"/>
-                <a:ext cx="1942711" cy="281937"/>
+                <a:off x="8599204" y="2149105"/>
+                <a:ext cx="1453667" cy="211533"/>
               </a:xfrm>
               <a:prstGeom prst="rect">
                 <a:avLst/>
@@ -3964,6 +3645,7 @@
               </a:bodyPr>
               <a:lstStyle/>
               <a:p>
+                <a:pPr/>
                 <a14:m>
                   <m:oMathPara xmlns:m="http://schemas.openxmlformats.org/officeDocument/2006/math">
                     <m:oMathParaPr>
@@ -3971,13 +3653,13 @@
                     </m:oMathParaPr>
                     <m:oMath xmlns:m="http://schemas.openxmlformats.org/officeDocument/2006/math">
                       <m:r>
-                        <a:rPr lang="en-CA" b="0" i="1" smtClean="0">
+                        <a:rPr lang="en-CA" sz="1351" i="1">
                           <a:latin typeface="Cambria Math" panose="02040503050406030204" pitchFamily="18" charset="0"/>
                         </a:rPr>
                         <m:t>𝑣</m:t>
                       </m:r>
                       <m:r>
-                        <a:rPr lang="en-CA" b="0" i="1" smtClean="0">
+                        <a:rPr lang="en-CA" sz="1351" i="1">
                           <a:latin typeface="Cambria Math" panose="02040503050406030204" pitchFamily="18" charset="0"/>
                         </a:rPr>
                         <m:t>:</m:t>
@@ -3985,14 +3667,14 @@
                       <m:sSup>
                         <m:sSupPr>
                           <m:ctrlPr>
-                            <a:rPr lang="en-CA" b="0" i="1" smtClean="0">
+                            <a:rPr lang="en-CA" sz="1351" i="1">
                               <a:latin typeface="Cambria Math" panose="02040503050406030204" pitchFamily="18" charset="0"/>
                             </a:rPr>
                           </m:ctrlPr>
                         </m:sSupPr>
                         <m:e>
                           <m:r>
-                            <a:rPr lang="en-CA" b="0" i="1" smtClean="0">
+                            <a:rPr lang="en-CA" sz="1351" i="1">
                               <a:latin typeface="Cambria Math" panose="02040503050406030204" pitchFamily="18" charset="0"/>
                             </a:rPr>
                             <m:t>ℝ</m:t>
@@ -4000,7 +3682,7 @@
                         </m:e>
                         <m:sup>
                           <m:r>
-                            <a:rPr lang="en-CA" b="0" i="1" smtClean="0">
+                            <a:rPr lang="en-CA" sz="1351" i="1">
                               <a:latin typeface="Cambria Math" panose="02040503050406030204" pitchFamily="18" charset="0"/>
                             </a:rPr>
                             <m:t>𝑑</m:t>
@@ -4008,7 +3690,7 @@
                         </m:sup>
                       </m:sSup>
                       <m:r>
-                        <a:rPr lang="en-CA" b="0" i="1" smtClean="0">
+                        <a:rPr lang="en-CA" sz="1351" i="1">
                           <a:latin typeface="Cambria Math" panose="02040503050406030204" pitchFamily="18" charset="0"/>
                         </a:rPr>
                         <m:t>×</m:t>
@@ -4017,14 +3699,14 @@
                         <m:dPr>
                           <m:begChr m:val="["/>
                           <m:ctrlPr>
-                            <a:rPr lang="en-CA" b="0" i="1" smtClean="0">
+                            <a:rPr lang="en-CA" sz="1351" i="1">
                               <a:latin typeface="Cambria Math" panose="02040503050406030204" pitchFamily="18" charset="0"/>
                             </a:rPr>
                           </m:ctrlPr>
                         </m:dPr>
                         <m:e>
                           <m:r>
-                            <a:rPr lang="en-CA" b="0" i="1" smtClean="0">
+                            <a:rPr lang="en-CA" sz="1351" i="1">
                               <a:latin typeface="Cambria Math" panose="02040503050406030204" pitchFamily="18" charset="0"/>
                             </a:rPr>
                             <m:t>0,1</m:t>
@@ -4032,7 +3714,7 @@
                         </m:e>
                       </m:d>
                       <m:r>
-                        <a:rPr lang="en-CA" b="0" i="1" smtClean="0">
+                        <a:rPr lang="en-CA" sz="1351" i="1">
                           <a:latin typeface="Cambria Math" panose="02040503050406030204" pitchFamily="18" charset="0"/>
                         </a:rPr>
                         <m:t>→</m:t>
@@ -4040,14 +3722,14 @@
                       <m:sSup>
                         <m:sSupPr>
                           <m:ctrlPr>
-                            <a:rPr lang="en-CA" b="0" i="1" smtClean="0">
+                            <a:rPr lang="en-CA" sz="1351" i="1">
                               <a:latin typeface="Cambria Math" panose="02040503050406030204" pitchFamily="18" charset="0"/>
                             </a:rPr>
                           </m:ctrlPr>
                         </m:sSupPr>
                         <m:e>
                           <m:r>
-                            <a:rPr lang="en-CA" b="0" i="1" smtClean="0">
+                            <a:rPr lang="en-CA" sz="1351" i="1">
                               <a:latin typeface="Cambria Math" panose="02040503050406030204" pitchFamily="18" charset="0"/>
                             </a:rPr>
                             <m:t>ℝ</m:t>
@@ -4055,7 +3737,7 @@
                         </m:e>
                         <m:sup>
                           <m:r>
-                            <a:rPr lang="en-CA" b="0" i="1" smtClean="0">
+                            <a:rPr lang="en-CA" sz="1351" i="1">
                               <a:latin typeface="Cambria Math" panose="02040503050406030204" pitchFamily="18" charset="0"/>
                             </a:rPr>
                             <m:t>𝑑</m:t>
@@ -4065,7 +3747,7 @@
                     </m:oMath>
                   </m:oMathPara>
                 </a14:m>
-                <a:endParaRPr lang="en-CA" dirty="0"/>
+                <a:endParaRPr lang="en-CA" sz="1351" dirty="0"/>
               </a:p>
             </p:txBody>
           </p:sp>
@@ -4087,8 +3769,8 @@
             </p:nvSpPr>
             <p:spPr>
               <a:xfrm>
-                <a:off x="8557601" y="1785182"/>
-                <a:ext cx="1942711" cy="281937"/>
+                <a:off x="8599204" y="2149105"/>
+                <a:ext cx="1453667" cy="211533"/>
               </a:xfrm>
               <a:prstGeom prst="rect">
                 <a:avLst/>
@@ -4096,7 +3778,7 @@
               <a:blipFill>
                 <a:blip r:embed="rId6"/>
                 <a:stretch>
-                  <a:fillRect l="-1258" t="-4348" r="-943" b="-6522"/>
+                  <a:fillRect l="-1261" r="-420" b="-8824"/>
                 </a:stretch>
               </a:blipFill>
             </p:spPr>
@@ -4129,8 +3811,8 @@
         </p:nvSpPr>
         <p:spPr>
           <a:xfrm>
-            <a:off x="10612607" y="2276900"/>
-            <a:ext cx="1412506" cy="584775"/>
+            <a:off x="10487329" y="2412228"/>
+            <a:ext cx="1412507" cy="584775"/>
           </a:xfrm>
           <a:prstGeom prst="rect">
             <a:avLst/>
@@ -4166,8 +3848,8 @@
             </p:nvSpPr>
             <p:spPr>
               <a:xfrm>
-                <a:off x="10155703" y="3288348"/>
-                <a:ext cx="2003304" cy="281937"/>
+                <a:off x="10197307" y="3652271"/>
+                <a:ext cx="1498295" cy="211533"/>
               </a:xfrm>
               <a:prstGeom prst="rect">
                 <a:avLst/>
@@ -4180,6 +3862,7 @@
               </a:bodyPr>
               <a:lstStyle/>
               <a:p>
+                <a:pPr/>
                 <a14:m>
                   <m:oMathPara xmlns:m="http://schemas.openxmlformats.org/officeDocument/2006/math">
                     <m:oMathParaPr>
@@ -4187,13 +3870,13 @@
                     </m:oMathParaPr>
                     <m:oMath xmlns:m="http://schemas.openxmlformats.org/officeDocument/2006/math">
                       <m:r>
-                        <a:rPr lang="en-CA" b="0" i="1" smtClean="0">
+                        <a:rPr lang="en-CA" sz="1351" i="1">
                           <a:latin typeface="Cambria Math" panose="02040503050406030204" pitchFamily="18" charset="0"/>
                         </a:rPr>
                         <m:t>𝑢</m:t>
                       </m:r>
                       <m:r>
-                        <a:rPr lang="en-CA" b="0" i="1" smtClean="0">
+                        <a:rPr lang="en-CA" sz="1351" i="1">
                           <a:latin typeface="Cambria Math" panose="02040503050406030204" pitchFamily="18" charset="0"/>
                         </a:rPr>
                         <m:t>′:</m:t>
@@ -4201,14 +3884,14 @@
                       <m:sSup>
                         <m:sSupPr>
                           <m:ctrlPr>
-                            <a:rPr lang="en-CA" b="0" i="1" smtClean="0">
+                            <a:rPr lang="en-CA" sz="1351" i="1">
                               <a:latin typeface="Cambria Math" panose="02040503050406030204" pitchFamily="18" charset="0"/>
                             </a:rPr>
                           </m:ctrlPr>
                         </m:sSupPr>
                         <m:e>
                           <m:r>
-                            <a:rPr lang="en-CA" b="0" i="1" smtClean="0">
+                            <a:rPr lang="en-CA" sz="1351" i="1">
                               <a:latin typeface="Cambria Math" panose="02040503050406030204" pitchFamily="18" charset="0"/>
                             </a:rPr>
                             <m:t>ℝ</m:t>
@@ -4216,7 +3899,7 @@
                         </m:e>
                         <m:sup>
                           <m:r>
-                            <a:rPr lang="en-CA" b="0" i="1" smtClean="0">
+                            <a:rPr lang="en-CA" sz="1351" i="1">
                               <a:latin typeface="Cambria Math" panose="02040503050406030204" pitchFamily="18" charset="0"/>
                             </a:rPr>
                             <m:t>𝑑</m:t>
@@ -4224,7 +3907,7 @@
                         </m:sup>
                       </m:sSup>
                       <m:r>
-                        <a:rPr lang="en-CA" b="0" i="1" smtClean="0">
+                        <a:rPr lang="en-CA" sz="1351" i="1">
                           <a:latin typeface="Cambria Math" panose="02040503050406030204" pitchFamily="18" charset="0"/>
                         </a:rPr>
                         <m:t>×</m:t>
@@ -4233,14 +3916,14 @@
                         <m:dPr>
                           <m:begChr m:val="["/>
                           <m:ctrlPr>
-                            <a:rPr lang="en-CA" b="0" i="1" smtClean="0">
+                            <a:rPr lang="en-CA" sz="1351" i="1">
                               <a:latin typeface="Cambria Math" panose="02040503050406030204" pitchFamily="18" charset="0"/>
                             </a:rPr>
                           </m:ctrlPr>
                         </m:dPr>
                         <m:e>
                           <m:r>
-                            <a:rPr lang="en-CA" b="0" i="1" smtClean="0">
+                            <a:rPr lang="en-CA" sz="1351" i="1">
                               <a:latin typeface="Cambria Math" panose="02040503050406030204" pitchFamily="18" charset="0"/>
                             </a:rPr>
                             <m:t>0,1</m:t>
@@ -4248,7 +3931,7 @@
                         </m:e>
                       </m:d>
                       <m:r>
-                        <a:rPr lang="en-CA" b="0" i="1" smtClean="0">
+                        <a:rPr lang="en-CA" sz="1351" i="1">
                           <a:latin typeface="Cambria Math" panose="02040503050406030204" pitchFamily="18" charset="0"/>
                         </a:rPr>
                         <m:t>→</m:t>
@@ -4256,14 +3939,14 @@
                       <m:sSup>
                         <m:sSupPr>
                           <m:ctrlPr>
-                            <a:rPr lang="en-CA" b="0" i="1" smtClean="0">
+                            <a:rPr lang="en-CA" sz="1351" i="1">
                               <a:latin typeface="Cambria Math" panose="02040503050406030204" pitchFamily="18" charset="0"/>
                             </a:rPr>
                           </m:ctrlPr>
                         </m:sSupPr>
                         <m:e>
                           <m:r>
-                            <a:rPr lang="en-CA" b="0" i="1" smtClean="0">
+                            <a:rPr lang="en-CA" sz="1351" i="1">
                               <a:latin typeface="Cambria Math" panose="02040503050406030204" pitchFamily="18" charset="0"/>
                             </a:rPr>
                             <m:t>ℝ</m:t>
@@ -4271,7 +3954,7 @@
                         </m:e>
                         <m:sup>
                           <m:r>
-                            <a:rPr lang="en-CA" b="0" i="1" smtClean="0">
+                            <a:rPr lang="en-CA" sz="1351" i="1">
                               <a:latin typeface="Cambria Math" panose="02040503050406030204" pitchFamily="18" charset="0"/>
                             </a:rPr>
                             <m:t>𝑑</m:t>
@@ -4281,7 +3964,7 @@
                     </m:oMath>
                   </m:oMathPara>
                 </a14:m>
-                <a:endParaRPr lang="en-CA" dirty="0"/>
+                <a:endParaRPr lang="en-CA" sz="1351" dirty="0"/>
               </a:p>
             </p:txBody>
           </p:sp>
@@ -4303,8 +3986,8 @@
             </p:nvSpPr>
             <p:spPr>
               <a:xfrm>
-                <a:off x="10155703" y="3288348"/>
-                <a:ext cx="2003304" cy="281937"/>
+                <a:off x="10197307" y="3652271"/>
+                <a:ext cx="1498295" cy="211533"/>
               </a:xfrm>
               <a:prstGeom prst="rect">
                 <a:avLst/>
@@ -4312,7 +3995,7 @@
               <a:blipFill>
                 <a:blip r:embed="rId7"/>
                 <a:stretch>
-                  <a:fillRect l="-2736" t="-4255" r="-608" b="-8511"/>
+                  <a:fillRect l="-2846" r="-407" b="-8571"/>
                 </a:stretch>
               </a:blipFill>
             </p:spPr>
@@ -4345,8 +4028,8 @@
         </p:nvSpPr>
         <p:spPr>
           <a:xfrm>
-            <a:off x="10612607" y="3996958"/>
-            <a:ext cx="1412506" cy="584775"/>
+            <a:off x="10487329" y="4132285"/>
+            <a:ext cx="1412507" cy="584775"/>
           </a:xfrm>
           <a:prstGeom prst="rect">
             <a:avLst/>
@@ -4382,8 +4065,8 @@
             </p:nvSpPr>
             <p:spPr>
               <a:xfrm>
-                <a:off x="8669896" y="4891447"/>
-                <a:ext cx="1586011" cy="370101"/>
+                <a:off x="8711499" y="5255371"/>
+                <a:ext cx="1187633" cy="277768"/>
               </a:xfrm>
               <a:prstGeom prst="rect">
                 <a:avLst/>
@@ -4396,6 +4079,7 @@
               </a:bodyPr>
               <a:lstStyle/>
               <a:p>
+                <a:pPr/>
                 <a14:m>
                   <m:oMathPara xmlns:m="http://schemas.openxmlformats.org/officeDocument/2006/math">
                     <m:oMathParaPr>
@@ -4405,7 +4089,7 @@
                       <m:sSub>
                         <m:sSubPr>
                           <m:ctrlPr>
-                            <a:rPr lang="en-CA" b="0" i="1" smtClean="0">
+                            <a:rPr lang="en-CA" sz="1351" i="1">
                               <a:latin typeface="Cambria Math" panose="02040503050406030204" pitchFamily="18" charset="0"/>
                             </a:rPr>
                           </m:ctrlPr>
@@ -4416,7 +4100,7 @@
                               <m:begChr m:val="{"/>
                               <m:endChr m:val="}"/>
                               <m:ctrlPr>
-                                <a:rPr lang="en-CA" b="0" i="1" smtClean="0">
+                                <a:rPr lang="en-CA" sz="1351" i="1">
                                   <a:latin typeface="Cambria Math" panose="02040503050406030204" pitchFamily="18" charset="0"/>
                                 </a:rPr>
                               </m:ctrlPr>
@@ -4425,14 +4109,14 @@
                               <m:sSub>
                                 <m:sSubPr>
                                   <m:ctrlPr>
-                                    <a:rPr lang="en-CA" b="0" i="1" smtClean="0">
+                                    <a:rPr lang="en-CA" sz="1351" i="1">
                                       <a:latin typeface="Cambria Math" panose="02040503050406030204" pitchFamily="18" charset="0"/>
                                     </a:rPr>
                                   </m:ctrlPr>
                                 </m:sSubPr>
                                 <m:e>
                                   <m:r>
-                                    <a:rPr lang="en-CA" b="0" i="1" smtClean="0">
+                                    <a:rPr lang="en-CA" sz="1351" i="1">
                                       <a:latin typeface="Cambria Math" panose="02040503050406030204" pitchFamily="18" charset="0"/>
                                     </a:rPr>
                                     <m:t>𝑌</m:t>
@@ -4440,19 +4124,19 @@
                                 </m:e>
                                 <m:sub>
                                   <m:r>
-                                    <a:rPr lang="en-CA" b="0" i="1" smtClean="0">
+                                    <a:rPr lang="en-CA" sz="1351" i="1">
                                       <a:latin typeface="Cambria Math" panose="02040503050406030204" pitchFamily="18" charset="0"/>
                                     </a:rPr>
                                     <m:t>𝑡</m:t>
                                   </m:r>
                                   <m:r>
-                                    <a:rPr lang="en-CA" b="0" i="1" smtClean="0">
+                                    <a:rPr lang="en-CA" sz="1351" i="1">
                                       <a:latin typeface="Cambria Math" panose="02040503050406030204" pitchFamily="18" charset="0"/>
                                     </a:rPr>
                                     <m:t>,</m:t>
                                   </m:r>
                                   <m:r>
-                                    <a:rPr lang="en-CA" b="0" i="1" smtClean="0">
+                                    <a:rPr lang="en-CA" sz="1351" i="1">
                                       <a:latin typeface="Cambria Math" panose="02040503050406030204" pitchFamily="18" charset="0"/>
                                     </a:rPr>
                                     <m:t>𝑖</m:t>
@@ -4464,37 +4148,37 @@
                         </m:e>
                         <m:sub>
                           <m:r>
-                            <a:rPr lang="en-CA" b="0" i="1" smtClean="0">
+                            <a:rPr lang="en-CA" sz="1351" i="1">
                               <a:latin typeface="Cambria Math" panose="02040503050406030204" pitchFamily="18" charset="0"/>
                             </a:rPr>
                             <m:t>0≤</m:t>
                           </m:r>
                           <m:r>
-                            <a:rPr lang="en-CA" b="0" i="1" smtClean="0">
+                            <a:rPr lang="en-CA" sz="1351" i="1">
                               <a:latin typeface="Cambria Math" panose="02040503050406030204" pitchFamily="18" charset="0"/>
                             </a:rPr>
                             <m:t>𝑡</m:t>
                           </m:r>
                           <m:r>
-                            <a:rPr lang="en-CA" b="0" i="1" smtClean="0">
+                            <a:rPr lang="en-CA" sz="1351" i="1">
                               <a:latin typeface="Cambria Math" panose="02040503050406030204" pitchFamily="18" charset="0"/>
                             </a:rPr>
                             <m:t>≤1,1≤</m:t>
                           </m:r>
                           <m:r>
-                            <a:rPr lang="en-CA" b="0" i="1" smtClean="0">
+                            <a:rPr lang="en-CA" sz="1351" i="1">
                               <a:latin typeface="Cambria Math" panose="02040503050406030204" pitchFamily="18" charset="0"/>
                             </a:rPr>
                             <m:t>𝑖</m:t>
                           </m:r>
                           <m:r>
-                            <a:rPr lang="en-CA" b="0" i="1" smtClean="0">
+                            <a:rPr lang="en-CA" sz="1351" i="1">
                               <a:latin typeface="Cambria Math" panose="02040503050406030204" pitchFamily="18" charset="0"/>
                             </a:rPr>
                             <m:t>≤</m:t>
                           </m:r>
                           <m:r>
-                            <a:rPr lang="en-CA" b="0" i="1" smtClean="0">
+                            <a:rPr lang="en-CA" sz="1351" i="1">
                               <a:latin typeface="Cambria Math" panose="02040503050406030204" pitchFamily="18" charset="0"/>
                             </a:rPr>
                             <m:t>𝑚</m:t>
@@ -4504,7 +4188,7 @@
                     </m:oMath>
                   </m:oMathPara>
                 </a14:m>
-                <a:endParaRPr lang="en-CA" dirty="0"/>
+                <a:endParaRPr lang="en-CA" sz="1351" dirty="0"/>
               </a:p>
             </p:txBody>
           </p:sp>
@@ -4526,8 +4210,8 @@
             </p:nvSpPr>
             <p:spPr>
               <a:xfrm>
-                <a:off x="8669896" y="4891447"/>
-                <a:ext cx="1586011" cy="370101"/>
+                <a:off x="8711499" y="5255371"/>
+                <a:ext cx="1187633" cy="277768"/>
               </a:xfrm>
               <a:prstGeom prst="rect">
                 <a:avLst/>
@@ -4535,7 +4219,7 @@
               <a:blipFill>
                 <a:blip r:embed="rId8"/>
                 <a:stretch>
-                  <a:fillRect r="-385" b="-11475"/>
+                  <a:fillRect b="-10870"/>
                 </a:stretch>
               </a:blipFill>
             </p:spPr>
@@ -4571,8 +4255,8 @@
         </p:nvCxnSpPr>
         <p:spPr>
           <a:xfrm>
-            <a:off x="10500312" y="1926151"/>
-            <a:ext cx="657043" cy="1362197"/>
+            <a:off x="10052871" y="2254872"/>
+            <a:ext cx="893584" cy="1397399"/>
           </a:xfrm>
           <a:prstGeom prst="curvedConnector2">
             <a:avLst/>
@@ -4613,8 +4297,8 @@
         </p:nvCxnSpPr>
         <p:spPr>
           <a:xfrm rot="5400000">
-            <a:off x="9953525" y="3872667"/>
-            <a:ext cx="1506213" cy="901448"/>
+            <a:off x="9657569" y="4105368"/>
+            <a:ext cx="1530451" cy="1047323"/>
           </a:xfrm>
           <a:prstGeom prst="curvedConnector2">
             <a:avLst/>
@@ -4654,8 +4338,8 @@
         </p:nvCxnSpPr>
         <p:spPr>
           <a:xfrm flipH="1" flipV="1">
-            <a:off x="7677197" y="5050328"/>
-            <a:ext cx="746757" cy="2"/>
+            <a:off x="7718798" y="5414252"/>
+            <a:ext cx="746758" cy="2"/>
           </a:xfrm>
           <a:prstGeom prst="straightConnector1">
             <a:avLst/>
@@ -4693,8 +4377,8 @@
         </p:nvSpPr>
         <p:spPr>
           <a:xfrm>
-            <a:off x="7685216" y="4696003"/>
-            <a:ext cx="746757" cy="338554"/>
+            <a:off x="7726817" y="5059927"/>
+            <a:ext cx="746758" cy="338554"/>
           </a:xfrm>
           <a:prstGeom prst="rect">
             <a:avLst/>
@@ -4729,8 +4413,8 @@
         </p:nvCxnSpPr>
         <p:spPr>
           <a:xfrm flipV="1">
-            <a:off x="3821997" y="1926152"/>
-            <a:ext cx="746757" cy="2"/>
+            <a:off x="3863598" y="2290076"/>
+            <a:ext cx="746758" cy="2"/>
           </a:xfrm>
           <a:prstGeom prst="straightConnector1">
             <a:avLst/>
@@ -4768,8 +4452,8 @@
         </p:nvSpPr>
         <p:spPr>
           <a:xfrm>
-            <a:off x="3821996" y="1587597"/>
-            <a:ext cx="746757" cy="338554"/>
+            <a:off x="3863597" y="1951521"/>
+            <a:ext cx="746758" cy="338554"/>
           </a:xfrm>
           <a:prstGeom prst="rect">
             <a:avLst/>
@@ -4806,8 +4490,8 @@
         </p:nvCxnSpPr>
         <p:spPr>
           <a:xfrm flipH="1" flipV="1">
-            <a:off x="3821995" y="5050328"/>
-            <a:ext cx="746757" cy="2"/>
+            <a:off x="3863597" y="5414252"/>
+            <a:ext cx="746758" cy="2"/>
           </a:xfrm>
           <a:prstGeom prst="straightConnector1">
             <a:avLst/>
@@ -4845,8 +4529,8 @@
         </p:nvSpPr>
         <p:spPr>
           <a:xfrm>
-            <a:off x="3830014" y="4696003"/>
-            <a:ext cx="746757" cy="338554"/>
+            <a:off x="3871616" y="5059929"/>
+            <a:ext cx="746758" cy="338554"/>
           </a:xfrm>
           <a:prstGeom prst="rect">
             <a:avLst/>
@@ -4883,8 +4567,8 @@
             </p:nvSpPr>
             <p:spPr>
               <a:xfrm>
-                <a:off x="1781666" y="4909359"/>
-                <a:ext cx="1949829" cy="281937"/>
+                <a:off x="2280134" y="5321606"/>
+                <a:ext cx="1457835" cy="211533"/>
               </a:xfrm>
               <a:prstGeom prst="rect">
                 <a:avLst/>
@@ -4897,6 +4581,7 @@
               </a:bodyPr>
               <a:lstStyle/>
               <a:p>
+                <a:pPr/>
                 <a14:m>
                   <m:oMathPara xmlns:m="http://schemas.openxmlformats.org/officeDocument/2006/math">
                     <m:oMathParaPr>
@@ -4904,13 +4589,13 @@
                     </m:oMathParaPr>
                     <m:oMath xmlns:m="http://schemas.openxmlformats.org/officeDocument/2006/math">
                       <m:r>
-                        <a:rPr lang="en-CA" b="0" i="1" smtClean="0">
+                        <a:rPr lang="en-CA" sz="1351" i="1">
                           <a:latin typeface="Cambria Math" panose="02040503050406030204" pitchFamily="18" charset="0"/>
                         </a:rPr>
                         <m:t>𝑢</m:t>
                       </m:r>
                       <m:r>
-                        <a:rPr lang="en-CA" b="0" i="1" smtClean="0">
+                        <a:rPr lang="en-CA" sz="1351" i="1">
                           <a:latin typeface="Cambria Math" panose="02040503050406030204" pitchFamily="18" charset="0"/>
                         </a:rPr>
                         <m:t>:</m:t>
@@ -4918,14 +4603,14 @@
                       <m:sSup>
                         <m:sSupPr>
                           <m:ctrlPr>
-                            <a:rPr lang="en-CA" b="0" i="1" smtClean="0">
+                            <a:rPr lang="en-CA" sz="1351" i="1">
                               <a:latin typeface="Cambria Math" panose="02040503050406030204" pitchFamily="18" charset="0"/>
                             </a:rPr>
                           </m:ctrlPr>
                         </m:sSupPr>
                         <m:e>
                           <m:r>
-                            <a:rPr lang="en-CA" b="0" i="1" smtClean="0">
+                            <a:rPr lang="en-CA" sz="1351" i="1">
                               <a:latin typeface="Cambria Math" panose="02040503050406030204" pitchFamily="18" charset="0"/>
                             </a:rPr>
                             <m:t>ℝ</m:t>
@@ -4933,7 +4618,7 @@
                         </m:e>
                         <m:sup>
                           <m:r>
-                            <a:rPr lang="en-CA" b="0" i="1" smtClean="0">
+                            <a:rPr lang="en-CA" sz="1351" i="1">
                               <a:latin typeface="Cambria Math" panose="02040503050406030204" pitchFamily="18" charset="0"/>
                             </a:rPr>
                             <m:t>𝑑</m:t>
@@ -4941,7 +4626,7 @@
                         </m:sup>
                       </m:sSup>
                       <m:r>
-                        <a:rPr lang="en-CA" b="0" i="1" smtClean="0">
+                        <a:rPr lang="en-CA" sz="1351" i="1">
                           <a:latin typeface="Cambria Math" panose="02040503050406030204" pitchFamily="18" charset="0"/>
                         </a:rPr>
                         <m:t>×</m:t>
@@ -4950,14 +4635,14 @@
                         <m:dPr>
                           <m:begChr m:val="["/>
                           <m:ctrlPr>
-                            <a:rPr lang="en-CA" b="0" i="1" smtClean="0">
+                            <a:rPr lang="en-CA" sz="1351" i="1">
                               <a:latin typeface="Cambria Math" panose="02040503050406030204" pitchFamily="18" charset="0"/>
                             </a:rPr>
                           </m:ctrlPr>
                         </m:dPr>
                         <m:e>
                           <m:r>
-                            <a:rPr lang="en-CA" b="0" i="1" smtClean="0">
+                            <a:rPr lang="en-CA" sz="1351" i="1">
                               <a:latin typeface="Cambria Math" panose="02040503050406030204" pitchFamily="18" charset="0"/>
                             </a:rPr>
                             <m:t>0,1</m:t>
@@ -4965,7 +4650,7 @@
                         </m:e>
                       </m:d>
                       <m:r>
-                        <a:rPr lang="en-CA" b="0" i="1" smtClean="0">
+                        <a:rPr lang="en-CA" sz="1351" i="1">
                           <a:latin typeface="Cambria Math" panose="02040503050406030204" pitchFamily="18" charset="0"/>
                         </a:rPr>
                         <m:t>→</m:t>
@@ -4973,14 +4658,14 @@
                       <m:sSup>
                         <m:sSupPr>
                           <m:ctrlPr>
-                            <a:rPr lang="en-CA" b="0" i="1" smtClean="0">
+                            <a:rPr lang="en-CA" sz="1351" i="1">
                               <a:latin typeface="Cambria Math" panose="02040503050406030204" pitchFamily="18" charset="0"/>
                             </a:rPr>
                           </m:ctrlPr>
                         </m:sSupPr>
                         <m:e>
                           <m:r>
-                            <a:rPr lang="en-CA" b="0" i="1" smtClean="0">
+                            <a:rPr lang="en-CA" sz="1351" i="1">
                               <a:latin typeface="Cambria Math" panose="02040503050406030204" pitchFamily="18" charset="0"/>
                             </a:rPr>
                             <m:t>ℝ</m:t>
@@ -4988,7 +4673,7 @@
                         </m:e>
                         <m:sup>
                           <m:r>
-                            <a:rPr lang="en-CA" b="0" i="1" smtClean="0">
+                            <a:rPr lang="en-CA" sz="1351" i="1">
                               <a:latin typeface="Cambria Math" panose="02040503050406030204" pitchFamily="18" charset="0"/>
                             </a:rPr>
                             <m:t>𝑑</m:t>
@@ -4998,7 +4683,7 @@
                     </m:oMath>
                   </m:oMathPara>
                 </a14:m>
-                <a:endParaRPr lang="en-CA" dirty="0"/>
+                <a:endParaRPr lang="en-CA" sz="1351" dirty="0"/>
               </a:p>
             </p:txBody>
           </p:sp>
@@ -5020,8 +4705,8 @@
             </p:nvSpPr>
             <p:spPr>
               <a:xfrm>
-                <a:off x="1781666" y="4909359"/>
-                <a:ext cx="1949829" cy="281937"/>
+                <a:off x="2280134" y="5321606"/>
+                <a:ext cx="1457835" cy="211533"/>
               </a:xfrm>
               <a:prstGeom prst="rect">
                 <a:avLst/>
@@ -5029,7 +4714,7 @@
               <a:blipFill>
                 <a:blip r:embed="rId9"/>
                 <a:stretch>
-                  <a:fillRect l="-1250" t="-4255" r="-625" b="-6383"/>
+                  <a:fillRect l="-1255" r="-418" b="-5714"/>
                 </a:stretch>
               </a:blipFill>
             </p:spPr>
@@ -5064,7 +4749,7 @@
         </p:nvCxnSpPr>
         <p:spPr>
           <a:xfrm flipH="1" flipV="1">
-            <a:off x="1001652" y="3688130"/>
+            <a:off x="1500118" y="4100377"/>
             <a:ext cx="657043" cy="1362197"/>
           </a:xfrm>
           <a:prstGeom prst="curvedConnector2">
@@ -5105,8 +4790,8 @@
             </p:nvSpPr>
             <p:spPr>
               <a:xfrm>
-                <a:off x="0" y="3360221"/>
-                <a:ext cx="1995290" cy="281937"/>
+                <a:off x="498468" y="3772469"/>
+                <a:ext cx="1493486" cy="211533"/>
               </a:xfrm>
               <a:prstGeom prst="rect">
                 <a:avLst/>
@@ -5119,6 +4804,7 @@
               </a:bodyPr>
               <a:lstStyle/>
               <a:p>
+                <a:pPr/>
                 <a14:m>
                   <m:oMathPara xmlns:m="http://schemas.openxmlformats.org/officeDocument/2006/math">
                     <m:oMathParaPr>
@@ -5126,13 +4812,13 @@
                     </m:oMathParaPr>
                     <m:oMath xmlns:m="http://schemas.openxmlformats.org/officeDocument/2006/math">
                       <m:r>
-                        <a:rPr lang="en-CA" b="0" i="1" smtClean="0">
+                        <a:rPr lang="en-CA" sz="1351" i="1">
                           <a:latin typeface="Cambria Math" panose="02040503050406030204" pitchFamily="18" charset="0"/>
                         </a:rPr>
                         <m:t>𝑣</m:t>
                       </m:r>
                       <m:r>
-                        <a:rPr lang="en-CA" b="0" i="1" smtClean="0">
+                        <a:rPr lang="en-CA" sz="1351" i="1">
                           <a:latin typeface="Cambria Math" panose="02040503050406030204" pitchFamily="18" charset="0"/>
                         </a:rPr>
                         <m:t>′:</m:t>
@@ -5140,14 +4826,14 @@
                       <m:sSup>
                         <m:sSupPr>
                           <m:ctrlPr>
-                            <a:rPr lang="en-CA" b="0" i="1" smtClean="0">
+                            <a:rPr lang="en-CA" sz="1351" i="1">
                               <a:latin typeface="Cambria Math" panose="02040503050406030204" pitchFamily="18" charset="0"/>
                             </a:rPr>
                           </m:ctrlPr>
                         </m:sSupPr>
                         <m:e>
                           <m:r>
-                            <a:rPr lang="en-CA" b="0" i="1" smtClean="0">
+                            <a:rPr lang="en-CA" sz="1351" i="1">
                               <a:latin typeface="Cambria Math" panose="02040503050406030204" pitchFamily="18" charset="0"/>
                             </a:rPr>
                             <m:t>ℝ</m:t>
@@ -5155,7 +4841,7 @@
                         </m:e>
                         <m:sup>
                           <m:r>
-                            <a:rPr lang="en-CA" b="0" i="1" smtClean="0">
+                            <a:rPr lang="en-CA" sz="1351" i="1">
                               <a:latin typeface="Cambria Math" panose="02040503050406030204" pitchFamily="18" charset="0"/>
                             </a:rPr>
                             <m:t>𝑑</m:t>
@@ -5163,7 +4849,7 @@
                         </m:sup>
                       </m:sSup>
                       <m:r>
-                        <a:rPr lang="en-CA" b="0" i="1" smtClean="0">
+                        <a:rPr lang="en-CA" sz="1351" i="1">
                           <a:latin typeface="Cambria Math" panose="02040503050406030204" pitchFamily="18" charset="0"/>
                         </a:rPr>
                         <m:t>×</m:t>
@@ -5172,14 +4858,14 @@
                         <m:dPr>
                           <m:begChr m:val="["/>
                           <m:ctrlPr>
-                            <a:rPr lang="en-CA" b="0" i="1" smtClean="0">
+                            <a:rPr lang="en-CA" sz="1351" i="1">
                               <a:latin typeface="Cambria Math" panose="02040503050406030204" pitchFamily="18" charset="0"/>
                             </a:rPr>
                           </m:ctrlPr>
                         </m:dPr>
                         <m:e>
                           <m:r>
-                            <a:rPr lang="en-CA" b="0" i="1" smtClean="0">
+                            <a:rPr lang="en-CA" sz="1351" i="1">
                               <a:latin typeface="Cambria Math" panose="02040503050406030204" pitchFamily="18" charset="0"/>
                             </a:rPr>
                             <m:t>0,1</m:t>
@@ -5187,7 +4873,7 @@
                         </m:e>
                       </m:d>
                       <m:r>
-                        <a:rPr lang="en-CA" b="0" i="1" smtClean="0">
+                        <a:rPr lang="en-CA" sz="1351" i="1">
                           <a:latin typeface="Cambria Math" panose="02040503050406030204" pitchFamily="18" charset="0"/>
                         </a:rPr>
                         <m:t>→</m:t>
@@ -5195,14 +4881,14 @@
                       <m:sSup>
                         <m:sSupPr>
                           <m:ctrlPr>
-                            <a:rPr lang="en-CA" b="0" i="1" smtClean="0">
+                            <a:rPr lang="en-CA" sz="1351" i="1">
                               <a:latin typeface="Cambria Math" panose="02040503050406030204" pitchFamily="18" charset="0"/>
                             </a:rPr>
                           </m:ctrlPr>
                         </m:sSupPr>
                         <m:e>
                           <m:r>
-                            <a:rPr lang="en-CA" b="0" i="1" smtClean="0">
+                            <a:rPr lang="en-CA" sz="1351" i="1">
                               <a:latin typeface="Cambria Math" panose="02040503050406030204" pitchFamily="18" charset="0"/>
                             </a:rPr>
                             <m:t>ℝ</m:t>
@@ -5210,7 +4896,7 @@
                         </m:e>
                         <m:sup>
                           <m:r>
-                            <a:rPr lang="en-CA" b="0" i="1" smtClean="0">
+                            <a:rPr lang="en-CA" sz="1351" i="1">
                               <a:latin typeface="Cambria Math" panose="02040503050406030204" pitchFamily="18" charset="0"/>
                             </a:rPr>
                             <m:t>𝑑</m:t>
@@ -5220,7 +4906,7 @@
                     </m:oMath>
                   </m:oMathPara>
                 </a14:m>
-                <a:endParaRPr lang="en-CA" dirty="0"/>
+                <a:endParaRPr lang="en-CA" sz="1351" dirty="0"/>
               </a:p>
             </p:txBody>
           </p:sp>
@@ -5242,8 +4928,8 @@
             </p:nvSpPr>
             <p:spPr>
               <a:xfrm>
-                <a:off x="0" y="3360221"/>
-                <a:ext cx="1995290" cy="281937"/>
+                <a:off x="498468" y="3772469"/>
+                <a:ext cx="1493486" cy="211533"/>
               </a:xfrm>
               <a:prstGeom prst="rect">
                 <a:avLst/>
@@ -5251,7 +4937,7 @@
               <a:blipFill>
                 <a:blip r:embed="rId10"/>
                 <a:stretch>
-                  <a:fillRect l="-2752" t="-4348" r="-917" b="-10870"/>
+                  <a:fillRect l="-2857" r="-408" b="-8571"/>
                 </a:stretch>
               </a:blipFill>
             </p:spPr>
@@ -5286,8 +4972,8 @@
         </p:nvCxnSpPr>
         <p:spPr>
           <a:xfrm rot="5400000" flipH="1" flipV="1">
-            <a:off x="704399" y="2156390"/>
-            <a:ext cx="1506213" cy="901448"/>
+            <a:off x="1202865" y="2568639"/>
+            <a:ext cx="1506214" cy="901448"/>
           </a:xfrm>
           <a:prstGeom prst="curvedConnector2">
             <a:avLst/>
@@ -5327,8 +5013,8 @@
             </p:nvSpPr>
             <p:spPr>
               <a:xfrm>
-                <a:off x="2027338" y="1666704"/>
-                <a:ext cx="1623393" cy="370101"/>
+                <a:off x="2525804" y="2078952"/>
+                <a:ext cx="1216423" cy="277768"/>
               </a:xfrm>
               <a:prstGeom prst="rect">
                 <a:avLst/>
@@ -5341,6 +5027,7 @@
               </a:bodyPr>
               <a:lstStyle/>
               <a:p>
+                <a:pPr/>
                 <a14:m>
                   <m:oMathPara xmlns:m="http://schemas.openxmlformats.org/officeDocument/2006/math">
                     <m:oMathParaPr>
@@ -5350,7 +5037,7 @@
                       <m:sSub>
                         <m:sSubPr>
                           <m:ctrlPr>
-                            <a:rPr lang="en-CA" b="0" i="1" smtClean="0">
+                            <a:rPr lang="en-CA" sz="1351" i="1">
                               <a:latin typeface="Cambria Math" panose="02040503050406030204" pitchFamily="18" charset="0"/>
                             </a:rPr>
                           </m:ctrlPr>
@@ -5361,7 +5048,7 @@
                               <m:begChr m:val="{"/>
                               <m:endChr m:val="}"/>
                               <m:ctrlPr>
-                                <a:rPr lang="en-CA" b="0" i="1" smtClean="0">
+                                <a:rPr lang="en-CA" sz="1351" i="1">
                                   <a:latin typeface="Cambria Math" panose="02040503050406030204" pitchFamily="18" charset="0"/>
                                 </a:rPr>
                               </m:ctrlPr>
@@ -5370,14 +5057,14 @@
                               <m:sSub>
                                 <m:sSubPr>
                                   <m:ctrlPr>
-                                    <a:rPr lang="en-CA" b="0" i="1" smtClean="0">
+                                    <a:rPr lang="en-CA" sz="1351" i="1">
                                       <a:latin typeface="Cambria Math" panose="02040503050406030204" pitchFamily="18" charset="0"/>
                                     </a:rPr>
                                   </m:ctrlPr>
                                 </m:sSubPr>
                                 <m:e>
                                   <m:r>
-                                    <a:rPr lang="en-CA" b="0" i="1" smtClean="0">
+                                    <a:rPr lang="en-CA" sz="1351" i="1">
                                       <a:latin typeface="Cambria Math" panose="02040503050406030204" pitchFamily="18" charset="0"/>
                                     </a:rPr>
                                     <m:t>𝑋</m:t>
@@ -5385,19 +5072,19 @@
                                 </m:e>
                                 <m:sub>
                                   <m:r>
-                                    <a:rPr lang="en-CA" b="0" i="1" smtClean="0">
+                                    <a:rPr lang="en-CA" sz="1351" i="1">
                                       <a:latin typeface="Cambria Math" panose="02040503050406030204" pitchFamily="18" charset="0"/>
                                     </a:rPr>
                                     <m:t>𝑡</m:t>
                                   </m:r>
                                   <m:r>
-                                    <a:rPr lang="en-CA" b="0" i="1" smtClean="0">
+                                    <a:rPr lang="en-CA" sz="1351" i="1">
                                       <a:latin typeface="Cambria Math" panose="02040503050406030204" pitchFamily="18" charset="0"/>
                                     </a:rPr>
                                     <m:t>,</m:t>
                                   </m:r>
                                   <m:r>
-                                    <a:rPr lang="en-CA" b="0" i="1" smtClean="0">
+                                    <a:rPr lang="en-CA" sz="1351" i="1">
                                       <a:latin typeface="Cambria Math" panose="02040503050406030204" pitchFamily="18" charset="0"/>
                                     </a:rPr>
                                     <m:t>𝑖</m:t>
@@ -5409,37 +5096,37 @@
                         </m:e>
                         <m:sub>
                           <m:r>
-                            <a:rPr lang="en-CA" b="0" i="1" smtClean="0">
+                            <a:rPr lang="en-CA" sz="1351" i="1">
                               <a:latin typeface="Cambria Math" panose="02040503050406030204" pitchFamily="18" charset="0"/>
                             </a:rPr>
                             <m:t>0≤</m:t>
                           </m:r>
                           <m:r>
-                            <a:rPr lang="en-CA" b="0" i="1" smtClean="0">
+                            <a:rPr lang="en-CA" sz="1351" i="1">
                               <a:latin typeface="Cambria Math" panose="02040503050406030204" pitchFamily="18" charset="0"/>
                             </a:rPr>
                             <m:t>𝑡</m:t>
                           </m:r>
                           <m:r>
-                            <a:rPr lang="en-CA" b="0" i="1" smtClean="0">
+                            <a:rPr lang="en-CA" sz="1351" i="1">
                               <a:latin typeface="Cambria Math" panose="02040503050406030204" pitchFamily="18" charset="0"/>
                             </a:rPr>
                             <m:t>≤1,1≤</m:t>
                           </m:r>
                           <m:r>
-                            <a:rPr lang="en-CA" b="0" i="1" smtClean="0">
+                            <a:rPr lang="en-CA" sz="1351" i="1">
                               <a:latin typeface="Cambria Math" panose="02040503050406030204" pitchFamily="18" charset="0"/>
                             </a:rPr>
                             <m:t>𝑖</m:t>
                           </m:r>
                           <m:r>
-                            <a:rPr lang="en-CA" b="0" i="1" smtClean="0">
+                            <a:rPr lang="en-CA" sz="1351" i="1">
                               <a:latin typeface="Cambria Math" panose="02040503050406030204" pitchFamily="18" charset="0"/>
                             </a:rPr>
                             <m:t>≤</m:t>
                           </m:r>
                           <m:r>
-                            <a:rPr lang="en-CA" b="0" i="1" smtClean="0">
+                            <a:rPr lang="en-CA" sz="1351" i="1">
                               <a:latin typeface="Cambria Math" panose="02040503050406030204" pitchFamily="18" charset="0"/>
                             </a:rPr>
                             <m:t>𝑚</m:t>
@@ -5449,7 +5136,7 @@
                     </m:oMath>
                   </m:oMathPara>
                 </a14:m>
-                <a:endParaRPr lang="en-CA" dirty="0"/>
+                <a:endParaRPr lang="en-CA" sz="1351" dirty="0"/>
               </a:p>
             </p:txBody>
           </p:sp>
@@ -5471,8 +5158,8 @@
             </p:nvSpPr>
             <p:spPr>
               <a:xfrm>
-                <a:off x="2027338" y="1666704"/>
-                <a:ext cx="1623393" cy="370101"/>
+                <a:off x="2525804" y="2078952"/>
+                <a:ext cx="1216423" cy="277768"/>
               </a:xfrm>
               <a:prstGeom prst="rect">
                 <a:avLst/>
@@ -5480,7 +5167,7 @@
               <a:blipFill>
                 <a:blip r:embed="rId11"/>
                 <a:stretch>
-                  <a:fillRect b="-11475"/>
+                  <a:fillRect b="-10870"/>
                 </a:stretch>
               </a:blipFill>
             </p:spPr>
@@ -5513,8 +5200,8 @@
         </p:nvSpPr>
         <p:spPr>
           <a:xfrm>
-            <a:off x="582784" y="3996957"/>
-            <a:ext cx="1412506" cy="584775"/>
+            <a:off x="1081250" y="4409208"/>
+            <a:ext cx="1412507" cy="584775"/>
           </a:xfrm>
           <a:prstGeom prst="rect">
             <a:avLst/>
@@ -5548,8 +5235,8 @@
         </p:nvSpPr>
         <p:spPr>
           <a:xfrm>
-            <a:off x="582784" y="2289585"/>
-            <a:ext cx="1412506" cy="584775"/>
+            <a:off x="1081250" y="2701836"/>
+            <a:ext cx="1412507" cy="584775"/>
           </a:xfrm>
           <a:prstGeom prst="rect">
             <a:avLst/>
@@ -5583,8 +5270,8 @@
         </p:nvSpPr>
         <p:spPr>
           <a:xfrm>
-            <a:off x="2010232" y="644204"/>
-            <a:ext cx="1492696" cy="369332"/>
+            <a:off x="2157161" y="924607"/>
+            <a:ext cx="1492696" cy="300210"/>
           </a:xfrm>
           <a:prstGeom prst="rect">
             <a:avLst/>
@@ -5598,18 +5285,57 @@
           <a:lstStyle/>
           <a:p>
             <a:r>
-              <a:rPr lang="en-CA" b="1" dirty="0" err="1">
+              <a:rPr lang="en-CA" sz="1351" b="1" dirty="0" err="1">
+                <a:solidFill>
+                  <a:schemeClr val="accent1"/>
+                </a:solidFill>
+              </a:rPr>
+              <a:t>TrajectoryNet</a:t>
+            </a:r>
+            <a:endParaRPr lang="en-CA" sz="1351" b="1" dirty="0">
+              <a:solidFill>
+                <a:schemeClr val="accent1"/>
+              </a:solidFill>
+            </a:endParaRPr>
+          </a:p>
+        </p:txBody>
+      </p:sp>
+      <p:sp>
+        <p:nvSpPr>
+          <p:cNvPr id="32" name="TextBox 31">
+            <a:extLst>
+              <a:ext uri="{FF2B5EF4-FFF2-40B4-BE49-F238E27FC236}">
+                <a16:creationId xmlns:a16="http://schemas.microsoft.com/office/drawing/2014/main" id="{C171638D-1B3C-4A7D-A494-5BFA6CCCFA2C}"/>
+              </a:ext>
+            </a:extLst>
+          </p:cNvPr>
+          <p:cNvSpPr txBox="1"/>
+          <p:nvPr/>
+        </p:nvSpPr>
+        <p:spPr>
+          <a:xfrm>
+            <a:off x="245838" y="624397"/>
+            <a:ext cx="1492696" cy="300210"/>
+          </a:xfrm>
+          <a:prstGeom prst="rect">
+            <a:avLst/>
+          </a:prstGeom>
+          <a:noFill/>
+        </p:spPr>
+        <p:txBody>
+          <a:bodyPr wrap="square" rtlCol="0">
+            <a:spAutoFit/>
+          </a:bodyPr>
+          <a:lstStyle/>
+          <a:p>
+            <a:r>
+              <a:rPr lang="en-CA" sz="1351" b="1" dirty="0">
                 <a:solidFill>
                   <a:srgbClr val="FF0000"/>
                 </a:solidFill>
               </a:rPr>
-              <a:t>TrajectoryNet</a:t>
-            </a:r>
-            <a:endParaRPr lang="en-CA" b="1" dirty="0">
-              <a:solidFill>
-                <a:srgbClr val="FF0000"/>
-              </a:solidFill>
-            </a:endParaRPr>
+              <a:t>FBSDE</a:t>
+            </a:r>
           </a:p>
         </p:txBody>
       </p:sp>
@@ -5629,7 +5355,7 @@
 <file path=ppt/theme/theme1.xml><?xml version="1.0" encoding="utf-8"?>
 <a:theme xmlns:a="http://schemas.openxmlformats.org/drawingml/2006/main" name="Office Theme">
   <a:themeElements>
-    <a:clrScheme name="Office">
+    <a:clrScheme name="Office Theme">
       <a:dk1>
         <a:sysClr val="windowText" lastClr="000000"/>
       </a:dk1>
@@ -5667,7 +5393,7 @@
         <a:srgbClr val="954F72"/>
       </a:folHlink>
     </a:clrScheme>
-    <a:fontScheme name="Office">
+    <a:fontScheme name="Office Theme">
       <a:majorFont>
         <a:latin typeface="Calibri Light" panose="020F0302020204030204"/>
         <a:ea typeface=""/>
@@ -5702,23 +5428,6 @@
         <a:font script="Viet" typeface="Times New Roman"/>
         <a:font script="Uigh" typeface="Microsoft Uighur"/>
         <a:font script="Geor" typeface="Sylfaen"/>
-        <a:font script="Armn" typeface="Arial"/>
-        <a:font script="Bugi" typeface="Leelawadee UI"/>
-        <a:font script="Bopo" typeface="Microsoft JhengHei"/>
-        <a:font script="Java" typeface="Javanese Text"/>
-        <a:font script="Lisu" typeface="Segoe UI"/>
-        <a:font script="Mymr" typeface="Myanmar Text"/>
-        <a:font script="Nkoo" typeface="Ebrima"/>
-        <a:font script="Olck" typeface="Nirmala UI"/>
-        <a:font script="Osma" typeface="Ebrima"/>
-        <a:font script="Phag" typeface="Phagspa"/>
-        <a:font script="Syrn" typeface="Estrangelo Edessa"/>
-        <a:font script="Syrj" typeface="Estrangelo Edessa"/>
-        <a:font script="Syre" typeface="Estrangelo Edessa"/>
-        <a:font script="Sora" typeface="Nirmala UI"/>
-        <a:font script="Tale" typeface="Microsoft Tai Le"/>
-        <a:font script="Talu" typeface="Microsoft New Tai Lue"/>
-        <a:font script="Tfng" typeface="Ebrima"/>
       </a:majorFont>
       <a:minorFont>
         <a:latin typeface="Calibri" panose="020F0502020204030204"/>
@@ -5754,26 +5463,9 @@
         <a:font script="Viet" typeface="Arial"/>
         <a:font script="Uigh" typeface="Microsoft Uighur"/>
         <a:font script="Geor" typeface="Sylfaen"/>
-        <a:font script="Armn" typeface="Arial"/>
-        <a:font script="Bugi" typeface="Leelawadee UI"/>
-        <a:font script="Bopo" typeface="Microsoft JhengHei"/>
-        <a:font script="Java" typeface="Javanese Text"/>
-        <a:font script="Lisu" typeface="Segoe UI"/>
-        <a:font script="Mymr" typeface="Myanmar Text"/>
-        <a:font script="Nkoo" typeface="Ebrima"/>
-        <a:font script="Olck" typeface="Nirmala UI"/>
-        <a:font script="Osma" typeface="Ebrima"/>
-        <a:font script="Phag" typeface="Phagspa"/>
-        <a:font script="Syrn" typeface="Estrangelo Edessa"/>
-        <a:font script="Syrj" typeface="Estrangelo Edessa"/>
-        <a:font script="Syre" typeface="Estrangelo Edessa"/>
-        <a:font script="Sora" typeface="Nirmala UI"/>
-        <a:font script="Tale" typeface="Microsoft Tai Le"/>
-        <a:font script="Talu" typeface="Microsoft New Tai Lue"/>
-        <a:font script="Tfng" typeface="Ebrima"/>
       </a:minorFont>
     </a:fontScheme>
-    <a:fmtScheme name="Office">
+    <a:fmtScheme name="Office Theme">
       <a:fillStyleLst>
         <a:solidFill>
           <a:schemeClr val="phClr"/>
